--- a/slides/module4.pptx
+++ b/slides/module4.pptx
@@ -5,19 +5,28 @@
     <p:sldMasterId id="2147483660" r:id="rId4"/>
   </p:sldMasterIdLst>
   <p:notesMasterIdLst>
-    <p:notesMasterId r:id="rId12"/>
+    <p:notesMasterId r:id="rId21"/>
   </p:notesMasterIdLst>
   <p:handoutMasterIdLst>
-    <p:handoutMasterId r:id="rId13"/>
+    <p:handoutMasterId r:id="rId22"/>
   </p:handoutMasterIdLst>
   <p:sldIdLst>
     <p:sldId id="277" r:id="rId5"/>
     <p:sldId id="278" r:id="rId6"/>
     <p:sldId id="285" r:id="rId7"/>
-    <p:sldId id="286" r:id="rId8"/>
-    <p:sldId id="287" r:id="rId9"/>
-    <p:sldId id="288" r:id="rId10"/>
-    <p:sldId id="269" r:id="rId11"/>
+    <p:sldId id="289" r:id="rId8"/>
+    <p:sldId id="286" r:id="rId9"/>
+    <p:sldId id="290" r:id="rId10"/>
+    <p:sldId id="295" r:id="rId11"/>
+    <p:sldId id="287" r:id="rId12"/>
+    <p:sldId id="291" r:id="rId13"/>
+    <p:sldId id="292" r:id="rId14"/>
+    <p:sldId id="293" r:id="rId15"/>
+    <p:sldId id="296" r:id="rId16"/>
+    <p:sldId id="297" r:id="rId17"/>
+    <p:sldId id="288" r:id="rId18"/>
+    <p:sldId id="294" r:id="rId19"/>
+    <p:sldId id="269" r:id="rId20"/>
   </p:sldIdLst>
   <p:sldSz cx="12192000" cy="6858000"/>
   <p:notesSz cx="6858000" cy="9144000"/>
@@ -118,10 +127,10 @@
   </p:defaultTextStyle>
   <p:extLst>
     <p:ext uri="{EFAFB233-063F-42B5-8137-9DF3F51BA10A}">
-      <p15:sldGuideLst xmlns="" xmlns:p15="http://schemas.microsoft.com/office/powerpoint/2012/main"/>
+      <p15:sldGuideLst xmlns:p15="http://schemas.microsoft.com/office/powerpoint/2012/main" xmlns=""/>
     </p:ext>
     <p:ext uri="{2D200454-40CA-4A62-9FC3-DE9A4176ACB9}">
-      <p15:notesGuideLst xmlns="" xmlns:p15="http://schemas.microsoft.com/office/powerpoint/2012/main"/>
+      <p15:notesGuideLst xmlns:p15="http://schemas.microsoft.com/office/powerpoint/2012/main" xmlns=""/>
     </p:ext>
   </p:extLst>
 </p:presentation>
@@ -1218,7 +1227,7 @@
   </p:timing>
   <p:extLst mod="1">
     <p:ext uri="{DCECCB84-F9BA-43D5-87BE-67443E8EF086}">
-      <p15:sldGuideLst xmlns="" xmlns:p15="http://schemas.microsoft.com/office/powerpoint/2012/main">
+      <p15:sldGuideLst xmlns:p15="http://schemas.microsoft.com/office/powerpoint/2012/main" xmlns="">
         <p15:guide id="1" orient="horz" pos="3792">
           <p15:clr>
             <a:srgbClr val="FBAE40"/>
@@ -1877,7 +1886,7 @@
   </p:timing>
   <p:extLst mod="1">
     <p:ext uri="{DCECCB84-F9BA-43D5-87BE-67443E8EF086}">
-      <p15:sldGuideLst xmlns="" xmlns:p15="http://schemas.microsoft.com/office/powerpoint/2012/main">
+      <p15:sldGuideLst xmlns:p15="http://schemas.microsoft.com/office/powerpoint/2012/main" xmlns="">
         <p15:guide id="1" orient="horz" pos="2160">
           <p15:clr>
             <a:srgbClr val="FBAE40"/>
@@ -3662,6 +3671,590 @@
 </p:sld>
 </file>
 
+<file path=ppt/slides/slide10.xml><?xml version="1.0" encoding="utf-8"?>
+<p:sld xmlns:a="http://schemas.openxmlformats.org/drawingml/2006/main" xmlns:r="http://schemas.openxmlformats.org/officeDocument/2006/relationships" xmlns:p="http://schemas.openxmlformats.org/presentationml/2006/main">
+  <p:cSld>
+    <p:spTree>
+      <p:nvGrpSpPr>
+        <p:cNvPr id="1" name=""/>
+        <p:cNvGrpSpPr/>
+        <p:nvPr/>
+      </p:nvGrpSpPr>
+      <p:grpSpPr>
+        <a:xfrm>
+          <a:off x="0" y="0"/>
+          <a:ext cx="0" cy="0"/>
+          <a:chOff x="0" y="0"/>
+          <a:chExt cx="0" cy="0"/>
+        </a:xfrm>
+      </p:grpSpPr>
+      <p:sp>
+        <p:nvSpPr>
+          <p:cNvPr id="2" name="Title 1"/>
+          <p:cNvSpPr>
+            <a:spLocks noGrp="1"/>
+          </p:cNvSpPr>
+          <p:nvPr>
+            <p:ph type="title"/>
+          </p:nvPr>
+        </p:nvSpPr>
+        <p:spPr/>
+        <p:txBody>
+          <a:bodyPr/>
+          <a:lstStyle/>
+          <a:p>
+            <a:r>
+              <a:rPr lang="en-US" dirty="0" err="1" smtClean="0"/>
+              <a:t>Mongodb</a:t>
+            </a:r>
+            <a:r>
+              <a:rPr lang="en-US" dirty="0" smtClean="0"/>
+              <a:t> Driver</a:t>
+            </a:r>
+            <a:endParaRPr lang="en-US" dirty="0"/>
+          </a:p>
+        </p:txBody>
+      </p:sp>
+      <p:sp>
+        <p:nvSpPr>
+          <p:cNvPr id="3" name="Content Placeholder 2"/>
+          <p:cNvSpPr>
+            <a:spLocks noGrp="1"/>
+          </p:cNvSpPr>
+          <p:nvPr>
+            <p:ph sz="quarter" idx="10"/>
+          </p:nvPr>
+        </p:nvSpPr>
+        <p:spPr/>
+        <p:txBody>
+          <a:bodyPr/>
+          <a:lstStyle/>
+          <a:p>
+            <a:r>
+              <a:rPr lang="en-US" dirty="0" smtClean="0"/>
+              <a:t>You can use it by itself – provides </a:t>
+            </a:r>
+            <a:r>
+              <a:rPr lang="en-US" dirty="0" err="1" smtClean="0"/>
+              <a:t>acces</a:t>
+            </a:r>
+            <a:r>
+              <a:rPr lang="en-US" dirty="0" smtClean="0"/>
+              <a:t> to </a:t>
+            </a:r>
+            <a:r>
+              <a:rPr lang="en-US" dirty="0" err="1" smtClean="0"/>
+              <a:t>mongodb</a:t>
+            </a:r>
+            <a:r>
+              <a:rPr lang="en-US" dirty="0" smtClean="0"/>
+              <a:t> from node</a:t>
+            </a:r>
+          </a:p>
+          <a:p>
+            <a:endParaRPr lang="en-US" dirty="0" smtClean="0"/>
+          </a:p>
+          <a:p>
+            <a:endParaRPr lang="en-US" dirty="0"/>
+          </a:p>
+          <a:p>
+            <a:endParaRPr lang="en-US" dirty="0"/>
+          </a:p>
+          <a:p>
+            <a:r>
+              <a:rPr lang="en-US" dirty="0" smtClean="0"/>
+              <a:t>Create/modify/delete/insert records</a:t>
+            </a:r>
+            <a:endParaRPr lang="en-US" dirty="0"/>
+          </a:p>
+        </p:txBody>
+      </p:sp>
+    </p:spTree>
+    <p:extLst>
+      <p:ext uri="{BB962C8B-B14F-4D97-AF65-F5344CB8AC3E}">
+        <p14:creationId xmlns:p14="http://schemas.microsoft.com/office/powerpoint/2010/main" val="2689308681"/>
+      </p:ext>
+    </p:extLst>
+  </p:cSld>
+  <p:clrMapOvr>
+    <a:masterClrMapping/>
+  </p:clrMapOvr>
+</p:sld>
+</file>
+
+<file path=ppt/slides/slide11.xml><?xml version="1.0" encoding="utf-8"?>
+<p:sld xmlns:a="http://schemas.openxmlformats.org/drawingml/2006/main" xmlns:r="http://schemas.openxmlformats.org/officeDocument/2006/relationships" xmlns:p="http://schemas.openxmlformats.org/presentationml/2006/main">
+  <p:cSld>
+    <p:spTree>
+      <p:nvGrpSpPr>
+        <p:cNvPr id="1" name=""/>
+        <p:cNvGrpSpPr/>
+        <p:nvPr/>
+      </p:nvGrpSpPr>
+      <p:grpSpPr>
+        <a:xfrm>
+          <a:off x="0" y="0"/>
+          <a:ext cx="0" cy="0"/>
+          <a:chOff x="0" y="0"/>
+          <a:chExt cx="0" cy="0"/>
+        </a:xfrm>
+      </p:grpSpPr>
+      <p:sp>
+        <p:nvSpPr>
+          <p:cNvPr id="2" name="Title 1"/>
+          <p:cNvSpPr>
+            <a:spLocks noGrp="1"/>
+          </p:cNvSpPr>
+          <p:nvPr>
+            <p:ph type="title"/>
+          </p:nvPr>
+        </p:nvSpPr>
+        <p:spPr/>
+        <p:txBody>
+          <a:bodyPr/>
+          <a:lstStyle/>
+          <a:p>
+            <a:r>
+              <a:rPr lang="en-US" dirty="0" smtClean="0"/>
+              <a:t>Mongoose ODM</a:t>
+            </a:r>
+            <a:endParaRPr lang="en-US" dirty="0"/>
+          </a:p>
+        </p:txBody>
+      </p:sp>
+      <p:sp>
+        <p:nvSpPr>
+          <p:cNvPr id="3" name="Content Placeholder 2"/>
+          <p:cNvSpPr>
+            <a:spLocks noGrp="1"/>
+          </p:cNvSpPr>
+          <p:nvPr>
+            <p:ph sz="quarter" idx="10"/>
+          </p:nvPr>
+        </p:nvSpPr>
+        <p:spPr/>
+        <p:txBody>
+          <a:bodyPr/>
+          <a:lstStyle/>
+          <a:p>
+            <a:r>
+              <a:rPr lang="en-US" dirty="0" smtClean="0"/>
+              <a:t>Popular Object Data Mapper enforcing schemas</a:t>
+            </a:r>
+          </a:p>
+          <a:p>
+            <a:endParaRPr lang="en-US" dirty="0" smtClean="0"/>
+          </a:p>
+          <a:p>
+            <a:endParaRPr lang="en-US" dirty="0"/>
+          </a:p>
+          <a:p>
+            <a:r>
+              <a:rPr lang="en-US" dirty="0" smtClean="0"/>
+              <a:t>Create Models, which maps </a:t>
+            </a:r>
+            <a:r>
+              <a:rPr lang="en-US" dirty="0" err="1" smtClean="0"/>
+              <a:t>javascript</a:t>
+            </a:r>
+            <a:r>
+              <a:rPr lang="en-US" dirty="0" smtClean="0"/>
+              <a:t> objects to </a:t>
+            </a:r>
+            <a:r>
+              <a:rPr lang="en-US" dirty="0" err="1" smtClean="0"/>
+              <a:t>mongodb</a:t>
+            </a:r>
+            <a:r>
+              <a:rPr lang="en-US" dirty="0" smtClean="0"/>
+              <a:t> documents within a collection</a:t>
+            </a:r>
+          </a:p>
+          <a:p>
+            <a:endParaRPr lang="en-US" dirty="0"/>
+          </a:p>
+          <a:p>
+            <a:endParaRPr lang="en-US" dirty="0" smtClean="0"/>
+          </a:p>
+          <a:p>
+            <a:r>
+              <a:rPr lang="en-US" dirty="0" smtClean="0"/>
+              <a:t>Enforces schema to </a:t>
+            </a:r>
+            <a:r>
+              <a:rPr lang="en-US" dirty="0" err="1" smtClean="0"/>
+              <a:t>mongodb</a:t>
+            </a:r>
+            <a:endParaRPr lang="en-US" dirty="0"/>
+          </a:p>
+        </p:txBody>
+      </p:sp>
+    </p:spTree>
+    <p:extLst>
+      <p:ext uri="{BB962C8B-B14F-4D97-AF65-F5344CB8AC3E}">
+        <p14:creationId xmlns:p14="http://schemas.microsoft.com/office/powerpoint/2010/main" val="3963454147"/>
+      </p:ext>
+    </p:extLst>
+  </p:cSld>
+  <p:clrMapOvr>
+    <a:masterClrMapping/>
+  </p:clrMapOvr>
+</p:sld>
+</file>
+
+<file path=ppt/slides/slide12.xml><?xml version="1.0" encoding="utf-8"?>
+<p:sld xmlns:a="http://schemas.openxmlformats.org/drawingml/2006/main" xmlns:r="http://schemas.openxmlformats.org/officeDocument/2006/relationships" xmlns:p="http://schemas.openxmlformats.org/presentationml/2006/main">
+  <p:cSld>
+    <p:spTree>
+      <p:nvGrpSpPr>
+        <p:cNvPr id="1" name=""/>
+        <p:cNvGrpSpPr/>
+        <p:nvPr/>
+      </p:nvGrpSpPr>
+      <p:grpSpPr>
+        <a:xfrm>
+          <a:off x="0" y="0"/>
+          <a:ext cx="0" cy="0"/>
+          <a:chOff x="0" y="0"/>
+          <a:chExt cx="0" cy="0"/>
+        </a:xfrm>
+      </p:grpSpPr>
+      <p:sp>
+        <p:nvSpPr>
+          <p:cNvPr id="2" name="Title 1"/>
+          <p:cNvSpPr>
+            <a:spLocks noGrp="1"/>
+          </p:cNvSpPr>
+          <p:nvPr>
+            <p:ph type="title"/>
+          </p:nvPr>
+        </p:nvSpPr>
+        <p:spPr/>
+        <p:txBody>
+          <a:bodyPr>
+            <a:normAutofit fontScale="90000"/>
+          </a:bodyPr>
+          <a:lstStyle/>
+          <a:p>
+            <a:r>
+              <a:rPr lang="en-US" dirty="0" smtClean="0"/>
+              <a:t>Implementing the Post &amp; User Route Handlers		</a:t>
+            </a:r>
+            <a:endParaRPr lang="en-US" dirty="0"/>
+          </a:p>
+        </p:txBody>
+      </p:sp>
+      <p:sp>
+        <p:nvSpPr>
+          <p:cNvPr id="3" name="Content Placeholder 2"/>
+          <p:cNvSpPr>
+            <a:spLocks noGrp="1"/>
+          </p:cNvSpPr>
+          <p:nvPr>
+            <p:ph sz="quarter" idx="10"/>
+          </p:nvPr>
+        </p:nvSpPr>
+        <p:spPr/>
+        <p:txBody>
+          <a:bodyPr/>
+          <a:lstStyle/>
+          <a:p>
+            <a:endParaRPr lang="en-US" dirty="0"/>
+          </a:p>
+        </p:txBody>
+      </p:sp>
+    </p:spTree>
+    <p:extLst>
+      <p:ext uri="{BB962C8B-B14F-4D97-AF65-F5344CB8AC3E}">
+        <p14:creationId xmlns:p14="http://schemas.microsoft.com/office/powerpoint/2010/main" val="2008400479"/>
+      </p:ext>
+    </p:extLst>
+  </p:cSld>
+  <p:clrMapOvr>
+    <a:masterClrMapping/>
+  </p:clrMapOvr>
+</p:sld>
+</file>
+
+<file path=ppt/slides/slide13.xml><?xml version="1.0" encoding="utf-8"?>
+<p:sld xmlns:a="http://schemas.openxmlformats.org/drawingml/2006/main" xmlns:r="http://schemas.openxmlformats.org/officeDocument/2006/relationships" xmlns:p="http://schemas.openxmlformats.org/presentationml/2006/main">
+  <p:cSld>
+    <p:spTree>
+      <p:nvGrpSpPr>
+        <p:cNvPr id="1" name=""/>
+        <p:cNvGrpSpPr/>
+        <p:nvPr/>
+      </p:nvGrpSpPr>
+      <p:grpSpPr>
+        <a:xfrm>
+          <a:off x="0" y="0"/>
+          <a:ext cx="0" cy="0"/>
+          <a:chOff x="0" y="0"/>
+          <a:chExt cx="0" cy="0"/>
+        </a:xfrm>
+      </p:grpSpPr>
+      <p:sp>
+        <p:nvSpPr>
+          <p:cNvPr id="2" name="Title 1"/>
+          <p:cNvSpPr>
+            <a:spLocks noGrp="1"/>
+          </p:cNvSpPr>
+          <p:nvPr>
+            <p:ph type="title"/>
+          </p:nvPr>
+        </p:nvSpPr>
+        <p:spPr/>
+        <p:txBody>
+          <a:bodyPr/>
+          <a:lstStyle/>
+          <a:p>
+            <a:r>
+              <a:rPr lang="en-US" smtClean="0"/>
+              <a:t>Testing the APIs</a:t>
+            </a:r>
+            <a:endParaRPr lang="en-US"/>
+          </a:p>
+        </p:txBody>
+      </p:sp>
+      <p:sp>
+        <p:nvSpPr>
+          <p:cNvPr id="3" name="Content Placeholder 2"/>
+          <p:cNvSpPr>
+            <a:spLocks noGrp="1"/>
+          </p:cNvSpPr>
+          <p:nvPr>
+            <p:ph sz="quarter" idx="10"/>
+          </p:nvPr>
+        </p:nvSpPr>
+        <p:spPr/>
+        <p:txBody>
+          <a:bodyPr/>
+          <a:lstStyle/>
+          <a:p>
+            <a:endParaRPr lang="en-US"/>
+          </a:p>
+        </p:txBody>
+      </p:sp>
+    </p:spTree>
+    <p:extLst>
+      <p:ext uri="{BB962C8B-B14F-4D97-AF65-F5344CB8AC3E}">
+        <p14:creationId xmlns:p14="http://schemas.microsoft.com/office/powerpoint/2010/main" val="1820276271"/>
+      </p:ext>
+    </p:extLst>
+  </p:cSld>
+  <p:clrMapOvr>
+    <a:masterClrMapping/>
+  </p:clrMapOvr>
+</p:sld>
+</file>
+
+<file path=ppt/slides/slide14.xml><?xml version="1.0" encoding="utf-8"?>
+<p:sld xmlns:a="http://schemas.openxmlformats.org/drawingml/2006/main" xmlns:r="http://schemas.openxmlformats.org/officeDocument/2006/relationships" xmlns:p="http://schemas.openxmlformats.org/presentationml/2006/main">
+  <p:cSld>
+    <p:spTree>
+      <p:nvGrpSpPr>
+        <p:cNvPr id="1" name=""/>
+        <p:cNvGrpSpPr/>
+        <p:nvPr/>
+      </p:nvGrpSpPr>
+      <p:grpSpPr>
+        <a:xfrm>
+          <a:off x="0" y="0"/>
+          <a:ext cx="0" cy="0"/>
+          <a:chOff x="0" y="0"/>
+          <a:chExt cx="0" cy="0"/>
+        </a:xfrm>
+      </p:grpSpPr>
+      <p:sp>
+        <p:nvSpPr>
+          <p:cNvPr id="2" name="Text Placeholder 1"/>
+          <p:cNvSpPr>
+            <a:spLocks noGrp="1"/>
+          </p:cNvSpPr>
+          <p:nvPr>
+            <p:ph type="body" sz="quarter" idx="10"/>
+          </p:nvPr>
+        </p:nvSpPr>
+        <p:spPr/>
+        <p:txBody>
+          <a:bodyPr/>
+          <a:lstStyle/>
+          <a:p>
+            <a:r>
+              <a:rPr lang="en-US" dirty="0" smtClean="0"/>
+              <a:t>Querying and Inserting Data</a:t>
+            </a:r>
+            <a:endParaRPr lang="en-US" dirty="0"/>
+          </a:p>
+        </p:txBody>
+      </p:sp>
+      <p:sp>
+        <p:nvSpPr>
+          <p:cNvPr id="3" name="Subtitle 2"/>
+          <p:cNvSpPr>
+            <a:spLocks noGrp="1"/>
+          </p:cNvSpPr>
+          <p:nvPr>
+            <p:ph type="subTitle" idx="1"/>
+          </p:nvPr>
+        </p:nvSpPr>
+        <p:spPr/>
+        <p:txBody>
+          <a:bodyPr/>
+          <a:lstStyle/>
+          <a:p>
+            <a:endParaRPr lang="en-US"/>
+          </a:p>
+        </p:txBody>
+      </p:sp>
+    </p:spTree>
+    <p:extLst>
+      <p:ext uri="{BB962C8B-B14F-4D97-AF65-F5344CB8AC3E}">
+        <p14:creationId xmlns:p14="http://schemas.microsoft.com/office/powerpoint/2010/main" val="3568239623"/>
+      </p:ext>
+    </p:extLst>
+  </p:cSld>
+  <p:clrMapOvr>
+    <a:masterClrMapping/>
+  </p:clrMapOvr>
+</p:sld>
+</file>
+
+<file path=ppt/slides/slide15.xml><?xml version="1.0" encoding="utf-8"?>
+<p:sld xmlns:a="http://schemas.openxmlformats.org/drawingml/2006/main" xmlns:r="http://schemas.openxmlformats.org/officeDocument/2006/relationships" xmlns:p="http://schemas.openxmlformats.org/presentationml/2006/main">
+  <p:cSld>
+    <p:spTree>
+      <p:nvGrpSpPr>
+        <p:cNvPr id="1" name=""/>
+        <p:cNvGrpSpPr/>
+        <p:nvPr/>
+      </p:nvGrpSpPr>
+      <p:grpSpPr>
+        <a:xfrm>
+          <a:off x="0" y="0"/>
+          <a:ext cx="0" cy="0"/>
+          <a:chOff x="0" y="0"/>
+          <a:chExt cx="0" cy="0"/>
+        </a:xfrm>
+      </p:grpSpPr>
+      <p:sp>
+        <p:nvSpPr>
+          <p:cNvPr id="2" name="Title 1"/>
+          <p:cNvSpPr>
+            <a:spLocks noGrp="1"/>
+          </p:cNvSpPr>
+          <p:nvPr>
+            <p:ph type="title"/>
+          </p:nvPr>
+        </p:nvSpPr>
+        <p:spPr/>
+        <p:txBody>
+          <a:bodyPr/>
+          <a:lstStyle/>
+          <a:p>
+            <a:r>
+              <a:rPr lang="en-US" b="1" dirty="0"/>
+              <a:t>Queries</a:t>
+            </a:r>
+          </a:p>
+        </p:txBody>
+      </p:sp>
+      <p:sp>
+        <p:nvSpPr>
+          <p:cNvPr id="3" name="Content Placeholder 2"/>
+          <p:cNvSpPr>
+            <a:spLocks noGrp="1"/>
+          </p:cNvSpPr>
+          <p:nvPr>
+            <p:ph sz="quarter" idx="10"/>
+          </p:nvPr>
+        </p:nvSpPr>
+        <p:spPr/>
+        <p:txBody>
+          <a:bodyPr/>
+          <a:lstStyle/>
+          <a:p>
+            <a:r>
+              <a:rPr lang="en-US" dirty="0" smtClean="0"/>
+              <a:t>Use a Query Object to Fetch Requested Data</a:t>
+            </a:r>
+          </a:p>
+          <a:p>
+            <a:endParaRPr lang="en-US" dirty="0" smtClean="0"/>
+          </a:p>
+          <a:p>
+            <a:endParaRPr lang="en-US" dirty="0"/>
+          </a:p>
+          <a:p>
+            <a:r>
+              <a:rPr lang="en-US" dirty="0" smtClean="0"/>
+              <a:t>Resembles objects already in the database</a:t>
+            </a:r>
+          </a:p>
+          <a:p>
+            <a:endParaRPr lang="en-US" dirty="0"/>
+          </a:p>
+          <a:p>
+            <a:endParaRPr lang="en-US" dirty="0" smtClean="0"/>
+          </a:p>
+          <a:p>
+            <a:r>
+              <a:rPr lang="en-US" dirty="0" smtClean="0"/>
+              <a:t>Can also be used to Update or Delete data</a:t>
+            </a:r>
+          </a:p>
+        </p:txBody>
+      </p:sp>
+    </p:spTree>
+    <p:extLst>
+      <p:ext uri="{BB962C8B-B14F-4D97-AF65-F5344CB8AC3E}">
+        <p14:creationId xmlns:p14="http://schemas.microsoft.com/office/powerpoint/2010/main" val="517474639"/>
+      </p:ext>
+    </p:extLst>
+  </p:cSld>
+  <p:clrMapOvr>
+    <a:masterClrMapping/>
+  </p:clrMapOvr>
+  <p:timing>
+    <p:tnLst>
+      <p:par>
+        <p:cTn xmlns:p14="http://schemas.microsoft.com/office/powerpoint/2010/main" id="1" dur="indefinite" restart="never" nodeType="tmRoot"/>
+      </p:par>
+    </p:tnLst>
+  </p:timing>
+</p:sld>
+</file>
+
+<file path=ppt/slides/slide16.xml><?xml version="1.0" encoding="utf-8"?>
+<p:sld xmlns:a="http://schemas.openxmlformats.org/drawingml/2006/main" xmlns:r="http://schemas.openxmlformats.org/officeDocument/2006/relationships" xmlns:p="http://schemas.openxmlformats.org/presentationml/2006/main">
+  <p:cSld>
+    <p:spTree>
+      <p:nvGrpSpPr>
+        <p:cNvPr id="1" name=""/>
+        <p:cNvGrpSpPr/>
+        <p:nvPr/>
+      </p:nvGrpSpPr>
+      <p:grpSpPr>
+        <a:xfrm>
+          <a:off x="0" y="0"/>
+          <a:ext cx="0" cy="0"/>
+          <a:chOff x="0" y="0"/>
+          <a:chExt cx="0" cy="0"/>
+        </a:xfrm>
+      </p:grpSpPr>
+    </p:spTree>
+    <p:extLst>
+      <p:ext uri="{BB962C8B-B14F-4D97-AF65-F5344CB8AC3E}">
+        <p14:creationId xmlns:p14="http://schemas.microsoft.com/office/powerpoint/2010/main" val="898363405"/>
+      </p:ext>
+    </p:extLst>
+  </p:cSld>
+  <p:clrMapOvr>
+    <a:masterClrMapping/>
+  </p:clrMapOvr>
+</p:sld>
+</file>
+
 <file path=ppt/slides/slide2.xml><?xml version="1.0" encoding="utf-8"?>
 <p:sld xmlns:a="http://schemas.openxmlformats.org/drawingml/2006/main" xmlns:r="http://schemas.openxmlformats.org/officeDocument/2006/relationships" xmlns:p="http://schemas.openxmlformats.org/presentationml/2006/main">
   <p:cSld>
@@ -3692,7 +4285,7 @@
         <p:spPr/>
         <p:txBody>
           <a:bodyPr>
-            <a:normAutofit/>
+            <a:normAutofit fontScale="92500" lnSpcReduction="10000"/>
           </a:bodyPr>
           <a:lstStyle/>
           <a:p>
@@ -3706,8 +4299,15 @@
             </a:r>
             <a:r>
               <a:rPr lang="en-GB" dirty="0" smtClean="0"/>
-              <a:t>riented databases</a:t>
-            </a:r>
+              <a:t>riented </a:t>
+            </a:r>
+            <a:r>
+              <a:rPr lang="en-GB" dirty="0" smtClean="0"/>
+              <a:t>databases</a:t>
+            </a:r>
+          </a:p>
+          <a:p>
+            <a:endParaRPr lang="en-GB" dirty="0" smtClean="0"/>
           </a:p>
           <a:p>
             <a:r>
@@ -3717,16 +4317,29 @@
             <a:endParaRPr lang="en-GB" dirty="0" smtClean="0"/>
           </a:p>
           <a:p>
+            <a:endParaRPr lang="en-GB" dirty="0" smtClean="0"/>
+          </a:p>
+          <a:p>
             <a:r>
               <a:rPr lang="en-GB" dirty="0" smtClean="0"/>
-              <a:t>Using Mongo with Node</a:t>
-            </a:r>
-          </a:p>
-          <a:p>
+              <a:t>Using Mongo with </a:t>
+            </a:r>
             <a:r>
               <a:rPr lang="en-GB" dirty="0" smtClean="0"/>
-              <a:t>Schemas</a:t>
-            </a:r>
+              <a:t>Node</a:t>
+            </a:r>
+          </a:p>
+          <a:p>
+            <a:endParaRPr lang="en-GB" dirty="0" smtClean="0"/>
+          </a:p>
+          <a:p>
+            <a:r>
+              <a:rPr lang="en-GB" dirty="0" smtClean="0"/>
+              <a:t>Models</a:t>
+            </a:r>
+          </a:p>
+          <a:p>
+            <a:endParaRPr lang="en-GB" dirty="0" smtClean="0"/>
           </a:p>
           <a:p>
             <a:r>
@@ -3888,22 +4501,24 @@
       </p:grpSpPr>
       <p:sp>
         <p:nvSpPr>
-          <p:cNvPr id="2" name="Text Placeholder 1"/>
+          <p:cNvPr id="2" name="Title 1"/>
           <p:cNvSpPr>
             <a:spLocks noGrp="1"/>
           </p:cNvSpPr>
           <p:nvPr>
-            <p:ph type="body" sz="quarter" idx="10"/>
+            <p:ph type="title"/>
           </p:nvPr>
         </p:nvSpPr>
         <p:spPr/>
         <p:txBody>
-          <a:bodyPr/>
+          <a:bodyPr>
+            <a:normAutofit/>
+          </a:bodyPr>
           <a:lstStyle/>
           <a:p>
             <a:r>
-              <a:rPr lang="en-US" dirty="0" err="1" smtClean="0"/>
-              <a:t>MongoDB</a:t>
+              <a:rPr lang="en-US" dirty="0" smtClean="0"/>
+              <a:t>Document Oriented</a:t>
             </a:r>
             <a:endParaRPr lang="en-US" dirty="0"/>
           </a:p>
@@ -3911,33 +4526,1484 @@
       </p:sp>
       <p:sp>
         <p:nvSpPr>
-          <p:cNvPr id="3" name="Subtitle 2"/>
-          <p:cNvSpPr>
-            <a:spLocks noGrp="1"/>
-          </p:cNvSpPr>
-          <p:nvPr>
-            <p:ph type="subTitle" idx="1"/>
-          </p:nvPr>
+          <p:cNvPr id="6" name="Rectangle 5"/>
+          <p:cNvSpPr/>
+          <p:nvPr/>
         </p:nvSpPr>
-        <p:spPr/>
+        <p:spPr>
+          <a:xfrm>
+            <a:off x="277584" y="2302159"/>
+            <a:ext cx="5071358" cy="2659241"/>
+          </a:xfrm>
+          <a:prstGeom prst="rect">
+            <a:avLst/>
+          </a:prstGeom>
+        </p:spPr>
         <p:txBody>
-          <a:bodyPr/>
+          <a:bodyPr wrap="square">
+            <a:spAutoFit/>
+          </a:bodyPr>
           <a:lstStyle/>
           <a:p>
-            <a:endParaRPr lang="en-US"/>
+            <a:pPr>
+              <a:lnSpc>
+                <a:spcPct val="107000"/>
+              </a:lnSpc>
+              <a:tabLst>
+                <a:tab pos="581660" algn="l"/>
+                <a:tab pos="1163320" algn="l"/>
+                <a:tab pos="1744980" algn="l"/>
+                <a:tab pos="2326640" algn="l"/>
+                <a:tab pos="2908300" algn="l"/>
+                <a:tab pos="3489960" algn="l"/>
+                <a:tab pos="4071620" algn="l"/>
+                <a:tab pos="4653280" algn="l"/>
+                <a:tab pos="5234940" algn="l"/>
+                <a:tab pos="5816600" algn="l"/>
+                <a:tab pos="6398260" algn="l"/>
+                <a:tab pos="6979920" algn="l"/>
+                <a:tab pos="7561580" algn="l"/>
+                <a:tab pos="8143240" algn="l"/>
+                <a:tab pos="8724900" algn="l"/>
+                <a:tab pos="9306560" algn="l"/>
+              </a:tabLst>
+            </a:pPr>
+            <a:endParaRPr lang="en-US" sz="1000" b="1" dirty="0" smtClean="0">
+              <a:latin typeface="Calibri" panose="020F0502020204030204" pitchFamily="34" charset="0"/>
+              <a:ea typeface="Calibri" panose="020F0502020204030204" pitchFamily="34" charset="0"/>
+              <a:cs typeface="Times New Roman" panose="02020603050405020304" pitchFamily="18" charset="0"/>
+            </a:endParaRPr>
+          </a:p>
+          <a:p>
+            <a:pPr>
+              <a:lnSpc>
+                <a:spcPct val="107000"/>
+              </a:lnSpc>
+              <a:tabLst>
+                <a:tab pos="581660" algn="l"/>
+                <a:tab pos="1163320" algn="l"/>
+                <a:tab pos="1744980" algn="l"/>
+                <a:tab pos="2326640" algn="l"/>
+                <a:tab pos="2908300" algn="l"/>
+                <a:tab pos="3489960" algn="l"/>
+                <a:tab pos="4071620" algn="l"/>
+                <a:tab pos="4653280" algn="l"/>
+                <a:tab pos="5234940" algn="l"/>
+                <a:tab pos="5816600" algn="l"/>
+                <a:tab pos="6398260" algn="l"/>
+                <a:tab pos="6979920" algn="l"/>
+                <a:tab pos="7561580" algn="l"/>
+                <a:tab pos="8143240" algn="l"/>
+                <a:tab pos="8724900" algn="l"/>
+                <a:tab pos="9306560" algn="l"/>
+              </a:tabLst>
+            </a:pPr>
+            <a:endParaRPr lang="en-US" sz="1000" b="1" dirty="0">
+              <a:latin typeface="Calibri" panose="020F0502020204030204" pitchFamily="34" charset="0"/>
+              <a:ea typeface="Calibri" panose="020F0502020204030204" pitchFamily="34" charset="0"/>
+              <a:cs typeface="Times New Roman" panose="02020603050405020304" pitchFamily="18" charset="0"/>
+            </a:endParaRPr>
+          </a:p>
+          <a:p>
+            <a:pPr>
+              <a:lnSpc>
+                <a:spcPct val="107000"/>
+              </a:lnSpc>
+              <a:tabLst>
+                <a:tab pos="581660" algn="l"/>
+                <a:tab pos="1163320" algn="l"/>
+                <a:tab pos="1744980" algn="l"/>
+                <a:tab pos="2326640" algn="l"/>
+                <a:tab pos="2908300" algn="l"/>
+                <a:tab pos="3489960" algn="l"/>
+                <a:tab pos="4071620" algn="l"/>
+                <a:tab pos="4653280" algn="l"/>
+                <a:tab pos="5234940" algn="l"/>
+                <a:tab pos="5816600" algn="l"/>
+                <a:tab pos="6398260" algn="l"/>
+                <a:tab pos="6979920" algn="l"/>
+                <a:tab pos="7561580" algn="l"/>
+                <a:tab pos="8143240" algn="l"/>
+                <a:tab pos="8724900" algn="l"/>
+                <a:tab pos="9306560" algn="l"/>
+              </a:tabLst>
+            </a:pPr>
+            <a:r>
+              <a:rPr lang="en-US" b="1" dirty="0" smtClean="0">
+                <a:latin typeface="Calibri" panose="020F0502020204030204" pitchFamily="34" charset="0"/>
+                <a:ea typeface="Calibri" panose="020F0502020204030204" pitchFamily="34" charset="0"/>
+                <a:cs typeface="Times New Roman" panose="02020603050405020304" pitchFamily="18" charset="0"/>
+              </a:rPr>
+              <a:t>User Document</a:t>
+            </a:r>
+          </a:p>
+          <a:p>
+            <a:pPr>
+              <a:lnSpc>
+                <a:spcPct val="107000"/>
+              </a:lnSpc>
+              <a:tabLst>
+                <a:tab pos="581660" algn="l"/>
+                <a:tab pos="1163320" algn="l"/>
+                <a:tab pos="1744980" algn="l"/>
+                <a:tab pos="2326640" algn="l"/>
+                <a:tab pos="2908300" algn="l"/>
+                <a:tab pos="3489960" algn="l"/>
+                <a:tab pos="4071620" algn="l"/>
+                <a:tab pos="4653280" algn="l"/>
+                <a:tab pos="5234940" algn="l"/>
+                <a:tab pos="5816600" algn="l"/>
+                <a:tab pos="6398260" algn="l"/>
+                <a:tab pos="6979920" algn="l"/>
+                <a:tab pos="7561580" algn="l"/>
+                <a:tab pos="8143240" algn="l"/>
+                <a:tab pos="8724900" algn="l"/>
+                <a:tab pos="9306560" algn="l"/>
+              </a:tabLst>
+            </a:pPr>
+            <a:endParaRPr lang="en-US" b="1" dirty="0">
+              <a:latin typeface="Calibri" panose="020F0502020204030204" pitchFamily="34" charset="0"/>
+              <a:ea typeface="Calibri" panose="020F0502020204030204" pitchFamily="34" charset="0"/>
+              <a:cs typeface="Times New Roman" panose="02020603050405020304" pitchFamily="18" charset="0"/>
+            </a:endParaRPr>
+          </a:p>
+          <a:p>
+            <a:pPr>
+              <a:lnSpc>
+                <a:spcPct val="107000"/>
+              </a:lnSpc>
+              <a:tabLst>
+                <a:tab pos="581660" algn="l"/>
+                <a:tab pos="1163320" algn="l"/>
+                <a:tab pos="1744980" algn="l"/>
+                <a:tab pos="2326640" algn="l"/>
+                <a:tab pos="2908300" algn="l"/>
+                <a:tab pos="3489960" algn="l"/>
+                <a:tab pos="4071620" algn="l"/>
+                <a:tab pos="4653280" algn="l"/>
+                <a:tab pos="5234940" algn="l"/>
+                <a:tab pos="5816600" algn="l"/>
+                <a:tab pos="6398260" algn="l"/>
+                <a:tab pos="6979920" algn="l"/>
+                <a:tab pos="7561580" algn="l"/>
+                <a:tab pos="8143240" algn="l"/>
+                <a:tab pos="8724900" algn="l"/>
+                <a:tab pos="9306560" algn="l"/>
+              </a:tabLst>
+            </a:pPr>
+            <a:endParaRPr lang="en-US" sz="1000" dirty="0">
+              <a:latin typeface="Calibri" panose="020F0502020204030204" pitchFamily="34" charset="0"/>
+              <a:ea typeface="Calibri" panose="020F0502020204030204" pitchFamily="34" charset="0"/>
+              <a:cs typeface="Times New Roman" panose="02020603050405020304" pitchFamily="18" charset="0"/>
+            </a:endParaRPr>
+          </a:p>
+          <a:p>
+            <a:pPr>
+              <a:lnSpc>
+                <a:spcPct val="107000"/>
+              </a:lnSpc>
+              <a:tabLst>
+                <a:tab pos="581660" algn="l"/>
+                <a:tab pos="1163320" algn="l"/>
+                <a:tab pos="1744980" algn="l"/>
+                <a:tab pos="2326640" algn="l"/>
+                <a:tab pos="2908300" algn="l"/>
+                <a:tab pos="3489960" algn="l"/>
+                <a:tab pos="4071620" algn="l"/>
+                <a:tab pos="4653280" algn="l"/>
+                <a:tab pos="5234940" algn="l"/>
+                <a:tab pos="5816600" algn="l"/>
+                <a:tab pos="6398260" algn="l"/>
+                <a:tab pos="6979920" algn="l"/>
+                <a:tab pos="7561580" algn="l"/>
+                <a:tab pos="8143240" algn="l"/>
+                <a:tab pos="8724900" algn="l"/>
+                <a:tab pos="9306560" algn="l"/>
+              </a:tabLst>
+            </a:pPr>
+            <a:r>
+              <a:rPr lang="en-US" sz="1600" b="1" dirty="0">
+                <a:solidFill>
+                  <a:srgbClr val="333333"/>
+                </a:solidFill>
+                <a:latin typeface="Consolas" panose="020B0609020204030204" pitchFamily="49" charset="0"/>
+                <a:ea typeface="Times New Roman" panose="02020603050405020304" pitchFamily="18" charset="0"/>
+                <a:cs typeface="Times New Roman" panose="02020603050405020304" pitchFamily="18" charset="0"/>
+              </a:rPr>
+              <a:t>{</a:t>
+            </a:r>
+            <a:endParaRPr lang="en-US" sz="1600" dirty="0">
+              <a:latin typeface="Calibri" panose="020F0502020204030204" pitchFamily="34" charset="0"/>
+              <a:ea typeface="Calibri" panose="020F0502020204030204" pitchFamily="34" charset="0"/>
+              <a:cs typeface="Times New Roman" panose="02020603050405020304" pitchFamily="18" charset="0"/>
+            </a:endParaRPr>
+          </a:p>
+          <a:p>
+            <a:pPr>
+              <a:lnSpc>
+                <a:spcPct val="107000"/>
+              </a:lnSpc>
+              <a:tabLst>
+                <a:tab pos="581660" algn="l"/>
+                <a:tab pos="1163320" algn="l"/>
+                <a:tab pos="1744980" algn="l"/>
+                <a:tab pos="2326640" algn="l"/>
+                <a:tab pos="2908300" algn="l"/>
+                <a:tab pos="3489960" algn="l"/>
+                <a:tab pos="4071620" algn="l"/>
+                <a:tab pos="4653280" algn="l"/>
+                <a:tab pos="5234940" algn="l"/>
+                <a:tab pos="5816600" algn="l"/>
+                <a:tab pos="6398260" algn="l"/>
+                <a:tab pos="6979920" algn="l"/>
+                <a:tab pos="7561580" algn="l"/>
+                <a:tab pos="8143240" algn="l"/>
+                <a:tab pos="8724900" algn="l"/>
+                <a:tab pos="9306560" algn="l"/>
+              </a:tabLst>
+            </a:pPr>
+            <a:r>
+              <a:rPr lang="en-US" sz="1600" dirty="0">
+                <a:solidFill>
+                  <a:srgbClr val="333333"/>
+                </a:solidFill>
+                <a:latin typeface="Consolas" panose="020B0609020204030204" pitchFamily="49" charset="0"/>
+                <a:ea typeface="Times New Roman" panose="02020603050405020304" pitchFamily="18" charset="0"/>
+                <a:cs typeface="Times New Roman" panose="02020603050405020304" pitchFamily="18" charset="0"/>
+              </a:rPr>
+              <a:t>    </a:t>
+            </a:r>
+            <a:r>
+              <a:rPr lang="en-US" sz="1600" b="1" dirty="0">
+                <a:solidFill>
+                  <a:srgbClr val="DF5000"/>
+                </a:solidFill>
+                <a:latin typeface="Consolas" panose="020B0609020204030204" pitchFamily="49" charset="0"/>
+                <a:ea typeface="Times New Roman" panose="02020603050405020304" pitchFamily="18" charset="0"/>
+                <a:cs typeface="Times New Roman" panose="02020603050405020304" pitchFamily="18" charset="0"/>
+              </a:rPr>
+              <a:t>"ID"</a:t>
+            </a:r>
+            <a:r>
+              <a:rPr lang="en-US" sz="1600" b="1" dirty="0">
+                <a:solidFill>
+                  <a:srgbClr val="333333"/>
+                </a:solidFill>
+                <a:latin typeface="Consolas" panose="020B0609020204030204" pitchFamily="49" charset="0"/>
+                <a:ea typeface="Times New Roman" panose="02020603050405020304" pitchFamily="18" charset="0"/>
+                <a:cs typeface="Times New Roman" panose="02020603050405020304" pitchFamily="18" charset="0"/>
+              </a:rPr>
+              <a:t>: </a:t>
+            </a:r>
+            <a:r>
+              <a:rPr lang="en-US" sz="1600" b="1" dirty="0">
+                <a:solidFill>
+                  <a:srgbClr val="0086B3"/>
+                </a:solidFill>
+                <a:latin typeface="Consolas" panose="020B0609020204030204" pitchFamily="49" charset="0"/>
+                <a:ea typeface="Times New Roman" panose="02020603050405020304" pitchFamily="18" charset="0"/>
+                <a:cs typeface="Times New Roman" panose="02020603050405020304" pitchFamily="18" charset="0"/>
+              </a:rPr>
+              <a:t>0</a:t>
+            </a:r>
+            <a:r>
+              <a:rPr lang="en-US" sz="1600" b="1" dirty="0">
+                <a:solidFill>
+                  <a:srgbClr val="333333"/>
+                </a:solidFill>
+                <a:latin typeface="Consolas" panose="020B0609020204030204" pitchFamily="49" charset="0"/>
+                <a:ea typeface="Times New Roman" panose="02020603050405020304" pitchFamily="18" charset="0"/>
+                <a:cs typeface="Times New Roman" panose="02020603050405020304" pitchFamily="18" charset="0"/>
+              </a:rPr>
+              <a:t>,</a:t>
+            </a:r>
+            <a:endParaRPr lang="en-US" sz="1600" dirty="0">
+              <a:latin typeface="Calibri" panose="020F0502020204030204" pitchFamily="34" charset="0"/>
+              <a:ea typeface="Calibri" panose="020F0502020204030204" pitchFamily="34" charset="0"/>
+              <a:cs typeface="Times New Roman" panose="02020603050405020304" pitchFamily="18" charset="0"/>
+            </a:endParaRPr>
+          </a:p>
+          <a:p>
+            <a:pPr>
+              <a:lnSpc>
+                <a:spcPct val="107000"/>
+              </a:lnSpc>
+              <a:tabLst>
+                <a:tab pos="581660" algn="l"/>
+                <a:tab pos="1163320" algn="l"/>
+                <a:tab pos="1744980" algn="l"/>
+                <a:tab pos="2326640" algn="l"/>
+                <a:tab pos="2908300" algn="l"/>
+                <a:tab pos="3489960" algn="l"/>
+                <a:tab pos="4071620" algn="l"/>
+                <a:tab pos="4653280" algn="l"/>
+                <a:tab pos="5234940" algn="l"/>
+                <a:tab pos="5816600" algn="l"/>
+                <a:tab pos="6398260" algn="l"/>
+                <a:tab pos="6979920" algn="l"/>
+                <a:tab pos="7561580" algn="l"/>
+                <a:tab pos="8143240" algn="l"/>
+                <a:tab pos="8724900" algn="l"/>
+                <a:tab pos="9306560" algn="l"/>
+              </a:tabLst>
+            </a:pPr>
+            <a:r>
+              <a:rPr lang="en-US" sz="1600" dirty="0">
+                <a:solidFill>
+                  <a:srgbClr val="333333"/>
+                </a:solidFill>
+                <a:latin typeface="Consolas" panose="020B0609020204030204" pitchFamily="49" charset="0"/>
+                <a:ea typeface="Times New Roman" panose="02020603050405020304" pitchFamily="18" charset="0"/>
+                <a:cs typeface="Times New Roman" panose="02020603050405020304" pitchFamily="18" charset="0"/>
+              </a:rPr>
+              <a:t>    </a:t>
+            </a:r>
+            <a:r>
+              <a:rPr lang="en-US" sz="1600" b="1" dirty="0" smtClean="0">
+                <a:solidFill>
+                  <a:srgbClr val="DF5000"/>
+                </a:solidFill>
+                <a:latin typeface="Consolas" panose="020B0609020204030204" pitchFamily="49" charset="0"/>
+                <a:ea typeface="Times New Roman" panose="02020603050405020304" pitchFamily="18" charset="0"/>
+                <a:cs typeface="Times New Roman" panose="02020603050405020304" pitchFamily="18" charset="0"/>
+              </a:rPr>
+              <a:t>“</a:t>
+            </a:r>
+            <a:r>
+              <a:rPr lang="en-US" sz="1600" b="1" dirty="0" smtClean="0">
+                <a:solidFill>
+                  <a:srgbClr val="DF5000"/>
+                </a:solidFill>
+                <a:latin typeface="Consolas" panose="020B0609020204030204" pitchFamily="49" charset="0"/>
+                <a:ea typeface="Times New Roman" panose="02020603050405020304" pitchFamily="18" charset="0"/>
+                <a:cs typeface="Times New Roman" panose="02020603050405020304" pitchFamily="18" charset="0"/>
+              </a:rPr>
+              <a:t>username"</a:t>
+            </a:r>
+            <a:r>
+              <a:rPr lang="en-US" sz="1600" b="1" dirty="0">
+                <a:solidFill>
+                  <a:srgbClr val="333333"/>
+                </a:solidFill>
+                <a:latin typeface="Consolas" panose="020B0609020204030204" pitchFamily="49" charset="0"/>
+                <a:ea typeface="Times New Roman" panose="02020603050405020304" pitchFamily="18" charset="0"/>
+                <a:cs typeface="Times New Roman" panose="02020603050405020304" pitchFamily="18" charset="0"/>
+              </a:rPr>
+              <a:t>: </a:t>
+            </a:r>
+            <a:r>
+              <a:rPr lang="en-US" sz="1600" b="1" dirty="0" smtClean="0">
+                <a:solidFill>
+                  <a:srgbClr val="DF5000"/>
+                </a:solidFill>
+                <a:latin typeface="Consolas" panose="020B0609020204030204" pitchFamily="49" charset="0"/>
+                <a:ea typeface="Times New Roman" panose="02020603050405020304" pitchFamily="18" charset="0"/>
+                <a:cs typeface="Times New Roman" panose="02020603050405020304" pitchFamily="18" charset="0"/>
+              </a:rPr>
+              <a:t>”</a:t>
+            </a:r>
+            <a:r>
+              <a:rPr lang="en-US" sz="1600" b="1" dirty="0" err="1" smtClean="0">
+                <a:solidFill>
+                  <a:srgbClr val="DF5000"/>
+                </a:solidFill>
+                <a:latin typeface="Consolas" panose="020B0609020204030204" pitchFamily="49" charset="0"/>
+                <a:ea typeface="Times New Roman" panose="02020603050405020304" pitchFamily="18" charset="0"/>
+                <a:cs typeface="Times New Roman" panose="02020603050405020304" pitchFamily="18" charset="0"/>
+              </a:rPr>
+              <a:t>sedouard</a:t>
+            </a:r>
+            <a:r>
+              <a:rPr lang="en-US" sz="1600" b="1" dirty="0" smtClean="0">
+                <a:solidFill>
+                  <a:srgbClr val="DF5000"/>
+                </a:solidFill>
+                <a:latin typeface="Consolas" panose="020B0609020204030204" pitchFamily="49" charset="0"/>
+                <a:ea typeface="Times New Roman" panose="02020603050405020304" pitchFamily="18" charset="0"/>
+                <a:cs typeface="Times New Roman" panose="02020603050405020304" pitchFamily="18" charset="0"/>
+              </a:rPr>
+              <a:t>”</a:t>
+            </a:r>
+            <a:r>
+              <a:rPr lang="en-US" sz="1600" b="1" dirty="0" smtClean="0">
+                <a:solidFill>
+                  <a:srgbClr val="333333"/>
+                </a:solidFill>
+                <a:latin typeface="Consolas" panose="020B0609020204030204" pitchFamily="49" charset="0"/>
+                <a:ea typeface="Times New Roman" panose="02020603050405020304" pitchFamily="18" charset="0"/>
+                <a:cs typeface="Times New Roman" panose="02020603050405020304" pitchFamily="18" charset="0"/>
+              </a:rPr>
+              <a:t>,</a:t>
+            </a:r>
+          </a:p>
+          <a:p>
+            <a:pPr>
+              <a:lnSpc>
+                <a:spcPct val="107000"/>
+              </a:lnSpc>
+              <a:tabLst>
+                <a:tab pos="581660" algn="l"/>
+                <a:tab pos="1163320" algn="l"/>
+                <a:tab pos="1744980" algn="l"/>
+                <a:tab pos="2326640" algn="l"/>
+                <a:tab pos="2908300" algn="l"/>
+                <a:tab pos="3489960" algn="l"/>
+                <a:tab pos="4071620" algn="l"/>
+                <a:tab pos="4653280" algn="l"/>
+                <a:tab pos="5234940" algn="l"/>
+                <a:tab pos="5816600" algn="l"/>
+                <a:tab pos="6398260" algn="l"/>
+                <a:tab pos="6979920" algn="l"/>
+                <a:tab pos="7561580" algn="l"/>
+                <a:tab pos="8143240" algn="l"/>
+                <a:tab pos="8724900" algn="l"/>
+                <a:tab pos="9306560" algn="l"/>
+              </a:tabLst>
+            </a:pPr>
+            <a:r>
+              <a:rPr lang="en-US" sz="1600" dirty="0" smtClean="0">
+                <a:solidFill>
+                  <a:srgbClr val="333333"/>
+                </a:solidFill>
+                <a:latin typeface="Consolas" panose="020B0609020204030204" pitchFamily="49" charset="0"/>
+                <a:ea typeface="Times New Roman" panose="02020603050405020304" pitchFamily="18" charset="0"/>
+                <a:cs typeface="Times New Roman" panose="02020603050405020304" pitchFamily="18" charset="0"/>
+              </a:rPr>
+              <a:t>    </a:t>
+            </a:r>
+            <a:r>
+              <a:rPr lang="en-US" sz="1600" b="1" dirty="0" smtClean="0">
+                <a:solidFill>
+                  <a:srgbClr val="DF5000"/>
+                </a:solidFill>
+                <a:latin typeface="Consolas" panose="020B0609020204030204" pitchFamily="49" charset="0"/>
+                <a:ea typeface="Times New Roman" panose="02020603050405020304" pitchFamily="18" charset="0"/>
+                <a:cs typeface="Times New Roman" panose="02020603050405020304" pitchFamily="18" charset="0"/>
+              </a:rPr>
+              <a:t>”</a:t>
+            </a:r>
+            <a:r>
+              <a:rPr lang="en-US" sz="1600" b="1" dirty="0" err="1" smtClean="0">
+                <a:solidFill>
+                  <a:srgbClr val="DF5000"/>
+                </a:solidFill>
+                <a:latin typeface="Consolas" panose="020B0609020204030204" pitchFamily="49" charset="0"/>
+                <a:ea typeface="Times New Roman" panose="02020603050405020304" pitchFamily="18" charset="0"/>
+                <a:cs typeface="Times New Roman" panose="02020603050405020304" pitchFamily="18" charset="0"/>
+              </a:rPr>
+              <a:t>created_at</a:t>
+            </a:r>
+            <a:r>
+              <a:rPr lang="en-US" sz="1600" b="1" dirty="0" smtClean="0">
+                <a:solidFill>
+                  <a:srgbClr val="DF5000"/>
+                </a:solidFill>
+                <a:latin typeface="Consolas" panose="020B0609020204030204" pitchFamily="49" charset="0"/>
+                <a:ea typeface="Times New Roman" panose="02020603050405020304" pitchFamily="18" charset="0"/>
+                <a:cs typeface="Times New Roman" panose="02020603050405020304" pitchFamily="18" charset="0"/>
+              </a:rPr>
+              <a:t>"</a:t>
+            </a:r>
+            <a:r>
+              <a:rPr lang="en-US" sz="1600" b="1" dirty="0">
+                <a:solidFill>
+                  <a:srgbClr val="333333"/>
+                </a:solidFill>
+                <a:latin typeface="Consolas" panose="020B0609020204030204" pitchFamily="49" charset="0"/>
+                <a:ea typeface="Times New Roman" panose="02020603050405020304" pitchFamily="18" charset="0"/>
+                <a:cs typeface="Times New Roman" panose="02020603050405020304" pitchFamily="18" charset="0"/>
+              </a:rPr>
+              <a:t>: </a:t>
+            </a:r>
+            <a:r>
+              <a:rPr lang="en-US" sz="1600" b="1" dirty="0">
+                <a:solidFill>
+                  <a:srgbClr val="DF5000"/>
+                </a:solidFill>
+                <a:latin typeface="Consolas" panose="020B0609020204030204" pitchFamily="49" charset="0"/>
+                <a:ea typeface="Times New Roman" panose="02020603050405020304" pitchFamily="18" charset="0"/>
+                <a:cs typeface="Times New Roman" panose="02020603050405020304" pitchFamily="18" charset="0"/>
+              </a:rPr>
+              <a:t>"</a:t>
+            </a:r>
+            <a:r>
+              <a:rPr lang="en-US" sz="1600" b="1" dirty="0" smtClean="0">
+                <a:solidFill>
+                  <a:srgbClr val="DF5000"/>
+                </a:solidFill>
+                <a:latin typeface="Consolas" panose="020B0609020204030204" pitchFamily="49" charset="0"/>
+                <a:ea typeface="Times New Roman" panose="02020603050405020304" pitchFamily="18" charset="0"/>
+                <a:cs typeface="Times New Roman" panose="02020603050405020304" pitchFamily="18" charset="0"/>
+              </a:rPr>
+              <a:t>2015:02:14:01:00:00:00</a:t>
+            </a:r>
+            <a:r>
+              <a:rPr lang="en-US" sz="1600" b="1" dirty="0">
+                <a:solidFill>
+                  <a:srgbClr val="DF5000"/>
+                </a:solidFill>
+                <a:latin typeface="Consolas" panose="020B0609020204030204" pitchFamily="49" charset="0"/>
+                <a:ea typeface="Times New Roman" panose="02020603050405020304" pitchFamily="18" charset="0"/>
+                <a:cs typeface="Times New Roman" panose="02020603050405020304" pitchFamily="18" charset="0"/>
+              </a:rPr>
+              <a:t>"</a:t>
+            </a:r>
+            <a:endParaRPr lang="en-US" sz="1600" dirty="0">
+              <a:latin typeface="Calibri" panose="020F0502020204030204" pitchFamily="34" charset="0"/>
+              <a:ea typeface="Calibri" panose="020F0502020204030204" pitchFamily="34" charset="0"/>
+              <a:cs typeface="Times New Roman" panose="02020603050405020304" pitchFamily="18" charset="0"/>
+            </a:endParaRPr>
+          </a:p>
+          <a:p>
+            <a:pPr>
+              <a:lnSpc>
+                <a:spcPct val="107000"/>
+              </a:lnSpc>
+              <a:tabLst>
+                <a:tab pos="581660" algn="l"/>
+                <a:tab pos="1163320" algn="l"/>
+                <a:tab pos="1744980" algn="l"/>
+                <a:tab pos="2326640" algn="l"/>
+                <a:tab pos="2908300" algn="l"/>
+                <a:tab pos="3489960" algn="l"/>
+                <a:tab pos="4071620" algn="l"/>
+                <a:tab pos="4653280" algn="l"/>
+                <a:tab pos="5234940" algn="l"/>
+                <a:tab pos="5816600" algn="l"/>
+                <a:tab pos="6398260" algn="l"/>
+                <a:tab pos="6979920" algn="l"/>
+                <a:tab pos="7561580" algn="l"/>
+                <a:tab pos="8143240" algn="l"/>
+                <a:tab pos="8724900" algn="l"/>
+                <a:tab pos="9306560" algn="l"/>
+              </a:tabLst>
+            </a:pPr>
+            <a:r>
+              <a:rPr lang="en-US" sz="1600" b="1" dirty="0" smtClean="0">
+                <a:solidFill>
+                  <a:srgbClr val="333333"/>
+                </a:solidFill>
+                <a:latin typeface="Consolas" panose="020B0609020204030204" pitchFamily="49" charset="0"/>
+                <a:ea typeface="Times New Roman" panose="02020603050405020304" pitchFamily="18" charset="0"/>
+                <a:cs typeface="Times New Roman" panose="02020603050405020304" pitchFamily="18" charset="0"/>
+              </a:rPr>
+              <a:t>}</a:t>
+            </a:r>
+          </a:p>
+          <a:p>
+            <a:pPr>
+              <a:lnSpc>
+                <a:spcPct val="107000"/>
+              </a:lnSpc>
+              <a:tabLst>
+                <a:tab pos="581660" algn="l"/>
+                <a:tab pos="1163320" algn="l"/>
+                <a:tab pos="1744980" algn="l"/>
+                <a:tab pos="2326640" algn="l"/>
+                <a:tab pos="2908300" algn="l"/>
+                <a:tab pos="3489960" algn="l"/>
+                <a:tab pos="4071620" algn="l"/>
+                <a:tab pos="4653280" algn="l"/>
+                <a:tab pos="5234940" algn="l"/>
+                <a:tab pos="5816600" algn="l"/>
+                <a:tab pos="6398260" algn="l"/>
+                <a:tab pos="6979920" algn="l"/>
+                <a:tab pos="7561580" algn="l"/>
+                <a:tab pos="8143240" algn="l"/>
+                <a:tab pos="8724900" algn="l"/>
+                <a:tab pos="9306560" algn="l"/>
+              </a:tabLst>
+            </a:pPr>
+            <a:endParaRPr lang="en-US" sz="1000" dirty="0">
+              <a:latin typeface="Calibri" panose="020F0502020204030204" pitchFamily="34" charset="0"/>
+              <a:ea typeface="Calibri" panose="020F0502020204030204" pitchFamily="34" charset="0"/>
+              <a:cs typeface="Times New Roman" panose="02020603050405020304" pitchFamily="18" charset="0"/>
+            </a:endParaRPr>
+          </a:p>
+        </p:txBody>
+      </p:sp>
+      <p:sp>
+        <p:nvSpPr>
+          <p:cNvPr id="7" name="Rectangle 6"/>
+          <p:cNvSpPr/>
+          <p:nvPr/>
+        </p:nvSpPr>
+        <p:spPr>
+          <a:xfrm>
+            <a:off x="6096000" y="2281049"/>
+            <a:ext cx="6096000" cy="2692173"/>
+          </a:xfrm>
+          <a:prstGeom prst="rect">
+            <a:avLst/>
+          </a:prstGeom>
+        </p:spPr>
+        <p:txBody>
+          <a:bodyPr>
+            <a:spAutoFit/>
+          </a:bodyPr>
+          <a:lstStyle/>
+          <a:p>
+            <a:pPr>
+              <a:lnSpc>
+                <a:spcPct val="107000"/>
+              </a:lnSpc>
+              <a:tabLst>
+                <a:tab pos="581660" algn="l"/>
+                <a:tab pos="1163320" algn="l"/>
+                <a:tab pos="1744980" algn="l"/>
+                <a:tab pos="2326640" algn="l"/>
+                <a:tab pos="2908300" algn="l"/>
+                <a:tab pos="3489960" algn="l"/>
+                <a:tab pos="4071620" algn="l"/>
+                <a:tab pos="4653280" algn="l"/>
+                <a:tab pos="5234940" algn="l"/>
+                <a:tab pos="5816600" algn="l"/>
+                <a:tab pos="6398260" algn="l"/>
+                <a:tab pos="6979920" algn="l"/>
+                <a:tab pos="7561580" algn="l"/>
+                <a:tab pos="8143240" algn="l"/>
+                <a:tab pos="8724900" algn="l"/>
+                <a:tab pos="9306560" algn="l"/>
+              </a:tabLst>
+            </a:pPr>
+            <a:endParaRPr lang="en-US" b="1" dirty="0">
+              <a:solidFill>
+                <a:srgbClr val="333333"/>
+              </a:solidFill>
+              <a:latin typeface="Consolas" panose="020B0609020204030204" pitchFamily="49" charset="0"/>
+              <a:ea typeface="Times New Roman" panose="02020603050405020304" pitchFamily="18" charset="0"/>
+              <a:cs typeface="Times New Roman" panose="02020603050405020304" pitchFamily="18" charset="0"/>
+            </a:endParaRPr>
+          </a:p>
+          <a:p>
+            <a:pPr>
+              <a:lnSpc>
+                <a:spcPct val="107000"/>
+              </a:lnSpc>
+              <a:tabLst>
+                <a:tab pos="581660" algn="l"/>
+                <a:tab pos="1163320" algn="l"/>
+                <a:tab pos="1744980" algn="l"/>
+                <a:tab pos="2326640" algn="l"/>
+                <a:tab pos="2908300" algn="l"/>
+                <a:tab pos="3489960" algn="l"/>
+                <a:tab pos="4071620" algn="l"/>
+                <a:tab pos="4653280" algn="l"/>
+                <a:tab pos="5234940" algn="l"/>
+                <a:tab pos="5816600" algn="l"/>
+                <a:tab pos="6398260" algn="l"/>
+                <a:tab pos="6979920" algn="l"/>
+                <a:tab pos="7561580" algn="l"/>
+                <a:tab pos="8143240" algn="l"/>
+                <a:tab pos="8724900" algn="l"/>
+                <a:tab pos="9306560" algn="l"/>
+              </a:tabLst>
+            </a:pPr>
+            <a:r>
+              <a:rPr lang="en-US" b="1" dirty="0" smtClean="0">
+                <a:solidFill>
+                  <a:srgbClr val="333333"/>
+                </a:solidFill>
+                <a:latin typeface="Consolas" panose="020B0609020204030204" pitchFamily="49" charset="0"/>
+                <a:ea typeface="Times New Roman" panose="02020603050405020304" pitchFamily="18" charset="0"/>
+                <a:cs typeface="Times New Roman" panose="02020603050405020304" pitchFamily="18" charset="0"/>
+              </a:rPr>
+              <a:t>Post Document</a:t>
+            </a:r>
+            <a:endParaRPr lang="en-US" b="1" dirty="0" smtClean="0">
+              <a:solidFill>
+                <a:srgbClr val="333333"/>
+              </a:solidFill>
+              <a:latin typeface="Consolas" panose="020B0609020204030204" pitchFamily="49" charset="0"/>
+              <a:ea typeface="Times New Roman" panose="02020603050405020304" pitchFamily="18" charset="0"/>
+              <a:cs typeface="Times New Roman" panose="02020603050405020304" pitchFamily="18" charset="0"/>
+            </a:endParaRPr>
+          </a:p>
+          <a:p>
+            <a:pPr>
+              <a:lnSpc>
+                <a:spcPct val="107000"/>
+              </a:lnSpc>
+              <a:tabLst>
+                <a:tab pos="581660" algn="l"/>
+                <a:tab pos="1163320" algn="l"/>
+                <a:tab pos="1744980" algn="l"/>
+                <a:tab pos="2326640" algn="l"/>
+                <a:tab pos="2908300" algn="l"/>
+                <a:tab pos="3489960" algn="l"/>
+                <a:tab pos="4071620" algn="l"/>
+                <a:tab pos="4653280" algn="l"/>
+                <a:tab pos="5234940" algn="l"/>
+                <a:tab pos="5816600" algn="l"/>
+                <a:tab pos="6398260" algn="l"/>
+                <a:tab pos="6979920" algn="l"/>
+                <a:tab pos="7561580" algn="l"/>
+                <a:tab pos="8143240" algn="l"/>
+                <a:tab pos="8724900" algn="l"/>
+                <a:tab pos="9306560" algn="l"/>
+              </a:tabLst>
+            </a:pPr>
+            <a:r>
+              <a:rPr lang="en-US" sz="1600" b="1" dirty="0" smtClean="0">
+                <a:solidFill>
+                  <a:srgbClr val="333333"/>
+                </a:solidFill>
+                <a:latin typeface="Consolas" panose="020B0609020204030204" pitchFamily="49" charset="0"/>
+                <a:ea typeface="Times New Roman" panose="02020603050405020304" pitchFamily="18" charset="0"/>
+                <a:cs typeface="Times New Roman" panose="02020603050405020304" pitchFamily="18" charset="0"/>
+              </a:rPr>
+              <a:t>{</a:t>
+            </a:r>
+          </a:p>
+          <a:p>
+            <a:pPr>
+              <a:lnSpc>
+                <a:spcPct val="107000"/>
+              </a:lnSpc>
+              <a:tabLst>
+                <a:tab pos="581660" algn="l"/>
+                <a:tab pos="1163320" algn="l"/>
+                <a:tab pos="1744980" algn="l"/>
+                <a:tab pos="2326640" algn="l"/>
+                <a:tab pos="2908300" algn="l"/>
+                <a:tab pos="3489960" algn="l"/>
+                <a:tab pos="4071620" algn="l"/>
+                <a:tab pos="4653280" algn="l"/>
+                <a:tab pos="5234940" algn="l"/>
+                <a:tab pos="5816600" algn="l"/>
+                <a:tab pos="6398260" algn="l"/>
+                <a:tab pos="6979920" algn="l"/>
+                <a:tab pos="7561580" algn="l"/>
+                <a:tab pos="8143240" algn="l"/>
+                <a:tab pos="8724900" algn="l"/>
+                <a:tab pos="9306560" algn="l"/>
+              </a:tabLst>
+            </a:pPr>
+            <a:r>
+              <a:rPr lang="en-US" sz="1600" dirty="0">
+                <a:solidFill>
+                  <a:srgbClr val="333333"/>
+                </a:solidFill>
+                <a:latin typeface="Consolas" panose="020B0609020204030204" pitchFamily="49" charset="0"/>
+                <a:ea typeface="Times New Roman" panose="02020603050405020304" pitchFamily="18" charset="0"/>
+                <a:cs typeface="Times New Roman" panose="02020603050405020304" pitchFamily="18" charset="0"/>
+              </a:rPr>
+              <a:t> </a:t>
+            </a:r>
+            <a:r>
+              <a:rPr lang="en-US" sz="1600" dirty="0" smtClean="0">
+                <a:solidFill>
+                  <a:srgbClr val="333333"/>
+                </a:solidFill>
+                <a:latin typeface="Consolas" panose="020B0609020204030204" pitchFamily="49" charset="0"/>
+                <a:ea typeface="Times New Roman" panose="02020603050405020304" pitchFamily="18" charset="0"/>
+                <a:cs typeface="Times New Roman" panose="02020603050405020304" pitchFamily="18" charset="0"/>
+              </a:rPr>
+              <a:t>   	</a:t>
+            </a:r>
+            <a:r>
+              <a:rPr lang="en-US" sz="1600" b="1" dirty="0" smtClean="0">
+                <a:solidFill>
+                  <a:srgbClr val="DF5000"/>
+                </a:solidFill>
+                <a:latin typeface="Consolas" panose="020B0609020204030204" pitchFamily="49" charset="0"/>
+                <a:ea typeface="Times New Roman" panose="02020603050405020304" pitchFamily="18" charset="0"/>
+                <a:cs typeface="Times New Roman" panose="02020603050405020304" pitchFamily="18" charset="0"/>
+              </a:rPr>
+              <a:t>"</a:t>
+            </a:r>
+            <a:r>
+              <a:rPr lang="en-US" sz="1600" b="1" dirty="0">
+                <a:solidFill>
+                  <a:srgbClr val="DF5000"/>
+                </a:solidFill>
+                <a:latin typeface="Consolas" panose="020B0609020204030204" pitchFamily="49" charset="0"/>
+                <a:ea typeface="Times New Roman" panose="02020603050405020304" pitchFamily="18" charset="0"/>
+                <a:cs typeface="Times New Roman" panose="02020603050405020304" pitchFamily="18" charset="0"/>
+              </a:rPr>
+              <a:t>ID"</a:t>
+            </a:r>
+            <a:r>
+              <a:rPr lang="en-US" sz="1600" b="1" dirty="0">
+                <a:solidFill>
+                  <a:srgbClr val="333333"/>
+                </a:solidFill>
+                <a:latin typeface="Consolas" panose="020B0609020204030204" pitchFamily="49" charset="0"/>
+                <a:ea typeface="Times New Roman" panose="02020603050405020304" pitchFamily="18" charset="0"/>
+                <a:cs typeface="Times New Roman" panose="02020603050405020304" pitchFamily="18" charset="0"/>
+              </a:rPr>
+              <a:t>: </a:t>
+            </a:r>
+            <a:r>
+              <a:rPr lang="en-US" sz="1600" b="1" dirty="0">
+                <a:solidFill>
+                  <a:srgbClr val="0086B3"/>
+                </a:solidFill>
+                <a:latin typeface="Consolas" panose="020B0609020204030204" pitchFamily="49" charset="0"/>
+                <a:ea typeface="Times New Roman" panose="02020603050405020304" pitchFamily="18" charset="0"/>
+                <a:cs typeface="Times New Roman" panose="02020603050405020304" pitchFamily="18" charset="0"/>
+              </a:rPr>
+              <a:t>0</a:t>
+            </a:r>
+            <a:r>
+              <a:rPr lang="en-US" sz="1600" b="1" dirty="0">
+                <a:solidFill>
+                  <a:srgbClr val="333333"/>
+                </a:solidFill>
+                <a:latin typeface="Consolas" panose="020B0609020204030204" pitchFamily="49" charset="0"/>
+                <a:ea typeface="Times New Roman" panose="02020603050405020304" pitchFamily="18" charset="0"/>
+                <a:cs typeface="Times New Roman" panose="02020603050405020304" pitchFamily="18" charset="0"/>
+              </a:rPr>
+              <a:t>,</a:t>
+            </a:r>
+            <a:endParaRPr lang="en-US" sz="1600" dirty="0">
+              <a:latin typeface="Calibri" panose="020F0502020204030204" pitchFamily="34" charset="0"/>
+              <a:ea typeface="Calibri" panose="020F0502020204030204" pitchFamily="34" charset="0"/>
+              <a:cs typeface="Times New Roman" panose="02020603050405020304" pitchFamily="18" charset="0"/>
+            </a:endParaRPr>
+          </a:p>
+          <a:p>
+            <a:pPr>
+              <a:lnSpc>
+                <a:spcPct val="107000"/>
+              </a:lnSpc>
+              <a:tabLst>
+                <a:tab pos="581660" algn="l"/>
+                <a:tab pos="1163320" algn="l"/>
+                <a:tab pos="1744980" algn="l"/>
+                <a:tab pos="2326640" algn="l"/>
+                <a:tab pos="2908300" algn="l"/>
+                <a:tab pos="3489960" algn="l"/>
+                <a:tab pos="4071620" algn="l"/>
+                <a:tab pos="4653280" algn="l"/>
+                <a:tab pos="5234940" algn="l"/>
+                <a:tab pos="5816600" algn="l"/>
+                <a:tab pos="6398260" algn="l"/>
+                <a:tab pos="6979920" algn="l"/>
+                <a:tab pos="7561580" algn="l"/>
+                <a:tab pos="8143240" algn="l"/>
+                <a:tab pos="8724900" algn="l"/>
+                <a:tab pos="9306560" algn="l"/>
+              </a:tabLst>
+            </a:pPr>
+            <a:r>
+              <a:rPr lang="en-US" sz="1600" dirty="0">
+                <a:solidFill>
+                  <a:srgbClr val="333333"/>
+                </a:solidFill>
+                <a:latin typeface="Consolas" panose="020B0609020204030204" pitchFamily="49" charset="0"/>
+                <a:ea typeface="Times New Roman" panose="02020603050405020304" pitchFamily="18" charset="0"/>
+                <a:cs typeface="Times New Roman" panose="02020603050405020304" pitchFamily="18" charset="0"/>
+              </a:rPr>
+              <a:t>    </a:t>
+            </a:r>
+            <a:r>
+              <a:rPr lang="en-US" sz="1600" dirty="0" smtClean="0">
+                <a:solidFill>
+                  <a:srgbClr val="333333"/>
+                </a:solidFill>
+                <a:latin typeface="Consolas" panose="020B0609020204030204" pitchFamily="49" charset="0"/>
+                <a:ea typeface="Times New Roman" panose="02020603050405020304" pitchFamily="18" charset="0"/>
+                <a:cs typeface="Times New Roman" panose="02020603050405020304" pitchFamily="18" charset="0"/>
+              </a:rPr>
+              <a:t>	</a:t>
+            </a:r>
+            <a:r>
+              <a:rPr lang="en-US" sz="1600" b="1" dirty="0" smtClean="0">
+                <a:solidFill>
+                  <a:srgbClr val="DF5000"/>
+                </a:solidFill>
+                <a:latin typeface="Consolas" panose="020B0609020204030204" pitchFamily="49" charset="0"/>
+                <a:ea typeface="Times New Roman" panose="02020603050405020304" pitchFamily="18" charset="0"/>
+                <a:cs typeface="Times New Roman" panose="02020603050405020304" pitchFamily="18" charset="0"/>
+              </a:rPr>
+              <a:t>“</a:t>
+            </a:r>
+            <a:r>
+              <a:rPr lang="en-US" sz="1600" b="1" dirty="0" err="1" smtClean="0">
+                <a:solidFill>
+                  <a:srgbClr val="DF5000"/>
+                </a:solidFill>
+                <a:latin typeface="Consolas" panose="020B0609020204030204" pitchFamily="49" charset="0"/>
+                <a:ea typeface="Times New Roman" panose="02020603050405020304" pitchFamily="18" charset="0"/>
+                <a:cs typeface="Times New Roman" panose="02020603050405020304" pitchFamily="18" charset="0"/>
+              </a:rPr>
+              <a:t>created_by</a:t>
+            </a:r>
+            <a:r>
+              <a:rPr lang="en-US" sz="1600" b="1" dirty="0" smtClean="0">
+                <a:solidFill>
+                  <a:srgbClr val="DF5000"/>
+                </a:solidFill>
+                <a:latin typeface="Consolas" panose="020B0609020204030204" pitchFamily="49" charset="0"/>
+                <a:ea typeface="Times New Roman" panose="02020603050405020304" pitchFamily="18" charset="0"/>
+                <a:cs typeface="Times New Roman" panose="02020603050405020304" pitchFamily="18" charset="0"/>
+              </a:rPr>
+              <a:t>"</a:t>
+            </a:r>
+            <a:r>
+              <a:rPr lang="en-US" sz="1600" b="1" dirty="0">
+                <a:solidFill>
+                  <a:srgbClr val="333333"/>
+                </a:solidFill>
+                <a:latin typeface="Consolas" panose="020B0609020204030204" pitchFamily="49" charset="0"/>
+                <a:ea typeface="Times New Roman" panose="02020603050405020304" pitchFamily="18" charset="0"/>
+                <a:cs typeface="Times New Roman" panose="02020603050405020304" pitchFamily="18" charset="0"/>
+              </a:rPr>
+              <a:t>: </a:t>
+            </a:r>
+            <a:r>
+              <a:rPr lang="en-US" sz="1600" b="1" dirty="0" smtClean="0">
+                <a:solidFill>
+                  <a:srgbClr val="DF5000"/>
+                </a:solidFill>
+                <a:latin typeface="Consolas" panose="020B0609020204030204" pitchFamily="49" charset="0"/>
+                <a:ea typeface="Times New Roman" panose="02020603050405020304" pitchFamily="18" charset="0"/>
+                <a:cs typeface="Times New Roman" panose="02020603050405020304" pitchFamily="18" charset="0"/>
+              </a:rPr>
+              <a:t>”</a:t>
+            </a:r>
+            <a:r>
+              <a:rPr lang="en-US" sz="1600" b="1" dirty="0" err="1" smtClean="0">
+                <a:solidFill>
+                  <a:srgbClr val="DF5000"/>
+                </a:solidFill>
+                <a:latin typeface="Consolas" panose="020B0609020204030204" pitchFamily="49" charset="0"/>
+                <a:ea typeface="Times New Roman" panose="02020603050405020304" pitchFamily="18" charset="0"/>
+                <a:cs typeface="Times New Roman" panose="02020603050405020304" pitchFamily="18" charset="0"/>
+              </a:rPr>
+              <a:t>ObjectID</a:t>
+            </a:r>
+            <a:r>
+              <a:rPr lang="en-US" sz="1600" b="1" dirty="0" smtClean="0">
+                <a:solidFill>
+                  <a:srgbClr val="DF5000"/>
+                </a:solidFill>
+                <a:latin typeface="Consolas" panose="020B0609020204030204" pitchFamily="49" charset="0"/>
+                <a:ea typeface="Times New Roman" panose="02020603050405020304" pitchFamily="18" charset="0"/>
+                <a:cs typeface="Times New Roman" panose="02020603050405020304" pitchFamily="18" charset="0"/>
+              </a:rPr>
+              <a:t>(ref User)”</a:t>
+            </a:r>
+            <a:r>
+              <a:rPr lang="en-US" sz="1600" b="1" dirty="0">
+                <a:solidFill>
+                  <a:srgbClr val="333333"/>
+                </a:solidFill>
+                <a:latin typeface="Consolas" panose="020B0609020204030204" pitchFamily="49" charset="0"/>
+                <a:ea typeface="Times New Roman" panose="02020603050405020304" pitchFamily="18" charset="0"/>
+                <a:cs typeface="Times New Roman" panose="02020603050405020304" pitchFamily="18" charset="0"/>
+              </a:rPr>
+              <a:t>,</a:t>
+            </a:r>
+          </a:p>
+          <a:p>
+            <a:pPr>
+              <a:lnSpc>
+                <a:spcPct val="107000"/>
+              </a:lnSpc>
+              <a:tabLst>
+                <a:tab pos="581660" algn="l"/>
+                <a:tab pos="1163320" algn="l"/>
+                <a:tab pos="1744980" algn="l"/>
+                <a:tab pos="2326640" algn="l"/>
+                <a:tab pos="2908300" algn="l"/>
+                <a:tab pos="3489960" algn="l"/>
+                <a:tab pos="4071620" algn="l"/>
+                <a:tab pos="4653280" algn="l"/>
+                <a:tab pos="5234940" algn="l"/>
+                <a:tab pos="5816600" algn="l"/>
+                <a:tab pos="6398260" algn="l"/>
+                <a:tab pos="6979920" algn="l"/>
+                <a:tab pos="7561580" algn="l"/>
+                <a:tab pos="8143240" algn="l"/>
+                <a:tab pos="8724900" algn="l"/>
+                <a:tab pos="9306560" algn="l"/>
+              </a:tabLst>
+            </a:pPr>
+            <a:r>
+              <a:rPr lang="en-US" sz="1600" dirty="0">
+                <a:solidFill>
+                  <a:srgbClr val="333333"/>
+                </a:solidFill>
+                <a:latin typeface="Consolas" panose="020B0609020204030204" pitchFamily="49" charset="0"/>
+                <a:ea typeface="Times New Roman" panose="02020603050405020304" pitchFamily="18" charset="0"/>
+                <a:cs typeface="Times New Roman" panose="02020603050405020304" pitchFamily="18" charset="0"/>
+              </a:rPr>
+              <a:t>    </a:t>
+            </a:r>
+            <a:r>
+              <a:rPr lang="en-US" sz="1600" dirty="0" smtClean="0">
+                <a:solidFill>
+                  <a:srgbClr val="333333"/>
+                </a:solidFill>
+                <a:latin typeface="Consolas" panose="020B0609020204030204" pitchFamily="49" charset="0"/>
+                <a:ea typeface="Times New Roman" panose="02020603050405020304" pitchFamily="18" charset="0"/>
+                <a:cs typeface="Times New Roman" panose="02020603050405020304" pitchFamily="18" charset="0"/>
+              </a:rPr>
+              <a:t>	</a:t>
+            </a:r>
+            <a:r>
+              <a:rPr lang="en-US" sz="1600" b="1" dirty="0" smtClean="0">
+                <a:solidFill>
+                  <a:srgbClr val="DF5000"/>
+                </a:solidFill>
+                <a:latin typeface="Consolas" panose="020B0609020204030204" pitchFamily="49" charset="0"/>
+                <a:ea typeface="Times New Roman" panose="02020603050405020304" pitchFamily="18" charset="0"/>
+                <a:cs typeface="Times New Roman" panose="02020603050405020304" pitchFamily="18" charset="0"/>
+              </a:rPr>
+              <a:t>”</a:t>
+            </a:r>
+            <a:r>
+              <a:rPr lang="en-US" sz="1600" b="1" dirty="0" err="1">
+                <a:solidFill>
+                  <a:srgbClr val="DF5000"/>
+                </a:solidFill>
+                <a:latin typeface="Consolas" panose="020B0609020204030204" pitchFamily="49" charset="0"/>
+                <a:ea typeface="Times New Roman" panose="02020603050405020304" pitchFamily="18" charset="0"/>
+                <a:cs typeface="Times New Roman" panose="02020603050405020304" pitchFamily="18" charset="0"/>
+              </a:rPr>
+              <a:t>created_at</a:t>
+            </a:r>
+            <a:r>
+              <a:rPr lang="en-US" sz="1600" b="1" dirty="0">
+                <a:solidFill>
+                  <a:srgbClr val="DF5000"/>
+                </a:solidFill>
+                <a:latin typeface="Consolas" panose="020B0609020204030204" pitchFamily="49" charset="0"/>
+                <a:ea typeface="Times New Roman" panose="02020603050405020304" pitchFamily="18" charset="0"/>
+                <a:cs typeface="Times New Roman" panose="02020603050405020304" pitchFamily="18" charset="0"/>
+              </a:rPr>
+              <a:t>"</a:t>
+            </a:r>
+            <a:r>
+              <a:rPr lang="en-US" sz="1600" b="1" dirty="0">
+                <a:solidFill>
+                  <a:srgbClr val="333333"/>
+                </a:solidFill>
+                <a:latin typeface="Consolas" panose="020B0609020204030204" pitchFamily="49" charset="0"/>
+                <a:ea typeface="Times New Roman" panose="02020603050405020304" pitchFamily="18" charset="0"/>
+                <a:cs typeface="Times New Roman" panose="02020603050405020304" pitchFamily="18" charset="0"/>
+              </a:rPr>
+              <a:t>: </a:t>
+            </a:r>
+            <a:r>
+              <a:rPr lang="en-US" sz="1600" b="1" dirty="0">
+                <a:solidFill>
+                  <a:srgbClr val="DF5000"/>
+                </a:solidFill>
+                <a:latin typeface="Consolas" panose="020B0609020204030204" pitchFamily="49" charset="0"/>
+                <a:ea typeface="Times New Roman" panose="02020603050405020304" pitchFamily="18" charset="0"/>
+                <a:cs typeface="Times New Roman" panose="02020603050405020304" pitchFamily="18" charset="0"/>
+              </a:rPr>
+              <a:t>"</a:t>
+            </a:r>
+            <a:r>
+              <a:rPr lang="en-US" sz="1600" b="1" dirty="0" smtClean="0">
+                <a:solidFill>
+                  <a:srgbClr val="DF5000"/>
+                </a:solidFill>
+                <a:latin typeface="Consolas" panose="020B0609020204030204" pitchFamily="49" charset="0"/>
+                <a:ea typeface="Times New Roman" panose="02020603050405020304" pitchFamily="18" charset="0"/>
+                <a:cs typeface="Times New Roman" panose="02020603050405020304" pitchFamily="18" charset="0"/>
+              </a:rPr>
+              <a:t>2015</a:t>
+            </a:r>
+            <a:r>
+              <a:rPr lang="en-US" sz="1600" b="1" dirty="0">
+                <a:solidFill>
+                  <a:srgbClr val="DF5000"/>
+                </a:solidFill>
+                <a:latin typeface="Consolas" panose="020B0609020204030204" pitchFamily="49" charset="0"/>
+                <a:ea typeface="Times New Roman" panose="02020603050405020304" pitchFamily="18" charset="0"/>
+                <a:cs typeface="Times New Roman" panose="02020603050405020304" pitchFamily="18" charset="0"/>
+              </a:rPr>
+              <a:t>:02:14:01:00:00:</a:t>
+            </a:r>
+            <a:r>
+              <a:rPr lang="en-US" sz="1600" b="1" dirty="0" smtClean="0">
+                <a:solidFill>
+                  <a:srgbClr val="DF5000"/>
+                </a:solidFill>
+                <a:latin typeface="Consolas" panose="020B0609020204030204" pitchFamily="49" charset="0"/>
+                <a:ea typeface="Times New Roman" panose="02020603050405020304" pitchFamily="18" charset="0"/>
+                <a:cs typeface="Times New Roman" panose="02020603050405020304" pitchFamily="18" charset="0"/>
+              </a:rPr>
+              <a:t>00</a:t>
+            </a:r>
+            <a:r>
+              <a:rPr lang="en-US" sz="1600" b="1" dirty="0">
+                <a:solidFill>
+                  <a:srgbClr val="DF5000"/>
+                </a:solidFill>
+                <a:latin typeface="Consolas" panose="020B0609020204030204" pitchFamily="49" charset="0"/>
+                <a:ea typeface="Times New Roman" panose="02020603050405020304" pitchFamily="18" charset="0"/>
+                <a:cs typeface="Times New Roman" panose="02020603050405020304" pitchFamily="18" charset="0"/>
+              </a:rPr>
+              <a:t>"</a:t>
+            </a:r>
+            <a:r>
+              <a:rPr lang="en-US" sz="1600" b="1" dirty="0" smtClean="0">
+                <a:solidFill>
+                  <a:srgbClr val="333333"/>
+                </a:solidFill>
+                <a:latin typeface="Consolas" panose="020B0609020204030204" pitchFamily="49" charset="0"/>
+                <a:ea typeface="Times New Roman" panose="02020603050405020304" pitchFamily="18" charset="0"/>
+                <a:cs typeface="Times New Roman" panose="02020603050405020304" pitchFamily="18" charset="0"/>
+              </a:rPr>
+              <a:t>,</a:t>
+            </a:r>
+          </a:p>
+          <a:p>
+            <a:pPr>
+              <a:lnSpc>
+                <a:spcPct val="107000"/>
+              </a:lnSpc>
+              <a:tabLst>
+                <a:tab pos="581660" algn="l"/>
+                <a:tab pos="1163320" algn="l"/>
+                <a:tab pos="1744980" algn="l"/>
+                <a:tab pos="2326640" algn="l"/>
+                <a:tab pos="2908300" algn="l"/>
+                <a:tab pos="3489960" algn="l"/>
+                <a:tab pos="4071620" algn="l"/>
+                <a:tab pos="4653280" algn="l"/>
+                <a:tab pos="5234940" algn="l"/>
+                <a:tab pos="5816600" algn="l"/>
+                <a:tab pos="6398260" algn="l"/>
+                <a:tab pos="6979920" algn="l"/>
+                <a:tab pos="7561580" algn="l"/>
+                <a:tab pos="8143240" algn="l"/>
+                <a:tab pos="8724900" algn="l"/>
+                <a:tab pos="9306560" algn="l"/>
+              </a:tabLst>
+            </a:pPr>
+            <a:r>
+              <a:rPr lang="en-US" sz="1600" b="1" dirty="0">
+                <a:solidFill>
+                  <a:srgbClr val="333333"/>
+                </a:solidFill>
+                <a:latin typeface="Consolas" panose="020B0609020204030204" pitchFamily="49" charset="0"/>
+                <a:ea typeface="Times New Roman" panose="02020603050405020304" pitchFamily="18" charset="0"/>
+                <a:cs typeface="Times New Roman" panose="02020603050405020304" pitchFamily="18" charset="0"/>
+              </a:rPr>
+              <a:t>	</a:t>
+            </a:r>
+            <a:r>
+              <a:rPr lang="en-US" sz="1600" b="1" dirty="0" smtClean="0">
+                <a:solidFill>
+                  <a:srgbClr val="DF5000"/>
+                </a:solidFill>
+                <a:latin typeface="Consolas" panose="020B0609020204030204" pitchFamily="49" charset="0"/>
+                <a:ea typeface="Times New Roman" panose="02020603050405020304" pitchFamily="18" charset="0"/>
+                <a:cs typeface="Times New Roman" panose="02020603050405020304" pitchFamily="18" charset="0"/>
+              </a:rPr>
+              <a:t>”</a:t>
+            </a:r>
+            <a:r>
+              <a:rPr lang="en-US" sz="1600" b="1" dirty="0" err="1">
+                <a:solidFill>
+                  <a:srgbClr val="DF5000"/>
+                </a:solidFill>
+                <a:latin typeface="Consolas" panose="020B0609020204030204" pitchFamily="49" charset="0"/>
+                <a:ea typeface="Times New Roman" panose="02020603050405020304" pitchFamily="18" charset="0"/>
+                <a:cs typeface="Times New Roman" panose="02020603050405020304" pitchFamily="18" charset="0"/>
+              </a:rPr>
+              <a:t>created_at</a:t>
+            </a:r>
+            <a:r>
+              <a:rPr lang="en-US" sz="1600" b="1" dirty="0">
+                <a:solidFill>
+                  <a:srgbClr val="DF5000"/>
+                </a:solidFill>
+                <a:latin typeface="Consolas" panose="020B0609020204030204" pitchFamily="49" charset="0"/>
+                <a:ea typeface="Times New Roman" panose="02020603050405020304" pitchFamily="18" charset="0"/>
+                <a:cs typeface="Times New Roman" panose="02020603050405020304" pitchFamily="18" charset="0"/>
+              </a:rPr>
+              <a:t>"</a:t>
+            </a:r>
+            <a:r>
+              <a:rPr lang="en-US" sz="1600" b="1" dirty="0">
+                <a:solidFill>
+                  <a:srgbClr val="333333"/>
+                </a:solidFill>
+                <a:latin typeface="Consolas" panose="020B0609020204030204" pitchFamily="49" charset="0"/>
+                <a:ea typeface="Times New Roman" panose="02020603050405020304" pitchFamily="18" charset="0"/>
+                <a:cs typeface="Times New Roman" panose="02020603050405020304" pitchFamily="18" charset="0"/>
+              </a:rPr>
+              <a:t>: </a:t>
+            </a:r>
+            <a:r>
+              <a:rPr lang="en-US" sz="1600" b="1" dirty="0">
+                <a:solidFill>
+                  <a:srgbClr val="DF5000"/>
+                </a:solidFill>
+                <a:latin typeface="Consolas" panose="020B0609020204030204" pitchFamily="49" charset="0"/>
+                <a:ea typeface="Times New Roman" panose="02020603050405020304" pitchFamily="18" charset="0"/>
+                <a:cs typeface="Times New Roman" panose="02020603050405020304" pitchFamily="18" charset="0"/>
+              </a:rPr>
+              <a:t>"</a:t>
+            </a:r>
+            <a:r>
+              <a:rPr lang="en-US" sz="1600" b="1" dirty="0" smtClean="0">
+                <a:solidFill>
+                  <a:srgbClr val="DF5000"/>
+                </a:solidFill>
+                <a:latin typeface="Consolas" panose="020B0609020204030204" pitchFamily="49" charset="0"/>
+                <a:ea typeface="Times New Roman" panose="02020603050405020304" pitchFamily="18" charset="0"/>
+                <a:cs typeface="Times New Roman" panose="02020603050405020304" pitchFamily="18" charset="0"/>
+              </a:rPr>
+              <a:t>2015</a:t>
+            </a:r>
+            <a:r>
+              <a:rPr lang="en-US" sz="1600" b="1" dirty="0">
+                <a:solidFill>
+                  <a:srgbClr val="DF5000"/>
+                </a:solidFill>
+                <a:latin typeface="Consolas" panose="020B0609020204030204" pitchFamily="49" charset="0"/>
+                <a:ea typeface="Times New Roman" panose="02020603050405020304" pitchFamily="18" charset="0"/>
+                <a:cs typeface="Times New Roman" panose="02020603050405020304" pitchFamily="18" charset="0"/>
+              </a:rPr>
+              <a:t>:02:14:01:00:00:</a:t>
+            </a:r>
+            <a:r>
+              <a:rPr lang="en-US" sz="1600" b="1" dirty="0" smtClean="0">
+                <a:solidFill>
+                  <a:srgbClr val="DF5000"/>
+                </a:solidFill>
+                <a:latin typeface="Consolas" panose="020B0609020204030204" pitchFamily="49" charset="0"/>
+                <a:ea typeface="Times New Roman" panose="02020603050405020304" pitchFamily="18" charset="0"/>
+                <a:cs typeface="Times New Roman" panose="02020603050405020304" pitchFamily="18" charset="0"/>
+              </a:rPr>
+              <a:t>00</a:t>
+            </a:r>
+            <a:r>
+              <a:rPr lang="en-US" sz="1600" b="1" dirty="0">
+                <a:solidFill>
+                  <a:srgbClr val="DF5000"/>
+                </a:solidFill>
+                <a:latin typeface="Consolas" panose="020B0609020204030204" pitchFamily="49" charset="0"/>
+                <a:ea typeface="Times New Roman" panose="02020603050405020304" pitchFamily="18" charset="0"/>
+                <a:cs typeface="Times New Roman" panose="02020603050405020304" pitchFamily="18" charset="0"/>
+              </a:rPr>
+              <a:t>"</a:t>
+            </a:r>
+            <a:r>
+              <a:rPr lang="en-US" sz="1600" b="1" dirty="0" smtClean="0">
+                <a:solidFill>
+                  <a:srgbClr val="333333"/>
+                </a:solidFill>
+                <a:latin typeface="Consolas" panose="020B0609020204030204" pitchFamily="49" charset="0"/>
+                <a:ea typeface="Times New Roman" panose="02020603050405020304" pitchFamily="18" charset="0"/>
+                <a:cs typeface="Times New Roman" panose="02020603050405020304" pitchFamily="18" charset="0"/>
+              </a:rPr>
+              <a:t>,</a:t>
+            </a:r>
+          </a:p>
+          <a:p>
+            <a:pPr>
+              <a:lnSpc>
+                <a:spcPct val="107000"/>
+              </a:lnSpc>
+              <a:tabLst>
+                <a:tab pos="581660" algn="l"/>
+                <a:tab pos="1163320" algn="l"/>
+                <a:tab pos="1744980" algn="l"/>
+                <a:tab pos="2326640" algn="l"/>
+                <a:tab pos="2908300" algn="l"/>
+                <a:tab pos="3489960" algn="l"/>
+                <a:tab pos="4071620" algn="l"/>
+                <a:tab pos="4653280" algn="l"/>
+                <a:tab pos="5234940" algn="l"/>
+                <a:tab pos="5816600" algn="l"/>
+                <a:tab pos="6398260" algn="l"/>
+                <a:tab pos="6979920" algn="l"/>
+                <a:tab pos="7561580" algn="l"/>
+                <a:tab pos="8143240" algn="l"/>
+                <a:tab pos="8724900" algn="l"/>
+                <a:tab pos="9306560" algn="l"/>
+              </a:tabLst>
+            </a:pPr>
+            <a:r>
+              <a:rPr lang="en-US" sz="1600" b="1" dirty="0">
+                <a:solidFill>
+                  <a:srgbClr val="333333"/>
+                </a:solidFill>
+                <a:latin typeface="Consolas" panose="020B0609020204030204" pitchFamily="49" charset="0"/>
+                <a:ea typeface="Times New Roman" panose="02020603050405020304" pitchFamily="18" charset="0"/>
+                <a:cs typeface="Times New Roman" panose="02020603050405020304" pitchFamily="18" charset="0"/>
+              </a:rPr>
+              <a:t>	</a:t>
+            </a:r>
+            <a:r>
+              <a:rPr lang="en-US" sz="1600" b="1" dirty="0" smtClean="0">
+                <a:solidFill>
+                  <a:srgbClr val="DF5000"/>
+                </a:solidFill>
+                <a:latin typeface="Consolas" panose="020B0609020204030204" pitchFamily="49" charset="0"/>
+                <a:ea typeface="Times New Roman" panose="02020603050405020304" pitchFamily="18" charset="0"/>
+                <a:cs typeface="Times New Roman" panose="02020603050405020304" pitchFamily="18" charset="0"/>
+              </a:rPr>
+              <a:t>”text"</a:t>
+            </a:r>
+            <a:r>
+              <a:rPr lang="en-US" sz="1600" b="1" dirty="0" smtClean="0">
+                <a:solidFill>
+                  <a:srgbClr val="333333"/>
+                </a:solidFill>
+                <a:latin typeface="Consolas" panose="020B0609020204030204" pitchFamily="49" charset="0"/>
+                <a:ea typeface="Times New Roman" panose="02020603050405020304" pitchFamily="18" charset="0"/>
+                <a:cs typeface="Times New Roman" panose="02020603050405020304" pitchFamily="18" charset="0"/>
+              </a:rPr>
+              <a:t>: </a:t>
+            </a:r>
+            <a:r>
+              <a:rPr lang="en-US" sz="1600" b="1" dirty="0" smtClean="0">
+                <a:solidFill>
+                  <a:srgbClr val="DF5000"/>
+                </a:solidFill>
+                <a:latin typeface="Consolas" panose="020B0609020204030204" pitchFamily="49" charset="0"/>
+                <a:ea typeface="Times New Roman" panose="02020603050405020304" pitchFamily="18" charset="0"/>
+                <a:cs typeface="Times New Roman" panose="02020603050405020304" pitchFamily="18" charset="0"/>
+              </a:rPr>
+              <a:t>”this is a new cheep!”</a:t>
+            </a:r>
+            <a:endParaRPr lang="en-US" sz="1600" dirty="0" smtClean="0">
+              <a:latin typeface="Calibri" panose="020F0502020204030204" pitchFamily="34" charset="0"/>
+              <a:ea typeface="Calibri" panose="020F0502020204030204" pitchFamily="34" charset="0"/>
+              <a:cs typeface="Times New Roman" panose="02020603050405020304" pitchFamily="18" charset="0"/>
+            </a:endParaRPr>
+          </a:p>
+          <a:p>
+            <a:pPr>
+              <a:lnSpc>
+                <a:spcPct val="107000"/>
+              </a:lnSpc>
+              <a:tabLst>
+                <a:tab pos="581660" algn="l"/>
+                <a:tab pos="1163320" algn="l"/>
+                <a:tab pos="1744980" algn="l"/>
+                <a:tab pos="2326640" algn="l"/>
+                <a:tab pos="2908300" algn="l"/>
+                <a:tab pos="3489960" algn="l"/>
+                <a:tab pos="4071620" algn="l"/>
+                <a:tab pos="4653280" algn="l"/>
+                <a:tab pos="5234940" algn="l"/>
+                <a:tab pos="5816600" algn="l"/>
+                <a:tab pos="6398260" algn="l"/>
+                <a:tab pos="6979920" algn="l"/>
+                <a:tab pos="7561580" algn="l"/>
+                <a:tab pos="8143240" algn="l"/>
+                <a:tab pos="8724900" algn="l"/>
+                <a:tab pos="9306560" algn="l"/>
+              </a:tabLst>
+            </a:pPr>
+            <a:r>
+              <a:rPr lang="en-US" sz="1600" b="1" dirty="0" smtClean="0">
+                <a:solidFill>
+                  <a:srgbClr val="333333"/>
+                </a:solidFill>
+                <a:latin typeface="Consolas" panose="020B0609020204030204" pitchFamily="49" charset="0"/>
+                <a:ea typeface="Times New Roman" panose="02020603050405020304" pitchFamily="18" charset="0"/>
+                <a:cs typeface="Times New Roman" panose="02020603050405020304" pitchFamily="18" charset="0"/>
+              </a:rPr>
+              <a:t>}   </a:t>
+            </a:r>
+            <a:endParaRPr lang="en-US" sz="1600" dirty="0">
+              <a:latin typeface="Calibri" panose="020F0502020204030204" pitchFamily="34" charset="0"/>
+              <a:ea typeface="Calibri" panose="020F0502020204030204" pitchFamily="34" charset="0"/>
+              <a:cs typeface="Times New Roman" panose="02020603050405020304" pitchFamily="18" charset="0"/>
+            </a:endParaRPr>
+          </a:p>
+          <a:p>
+            <a:pPr>
+              <a:lnSpc>
+                <a:spcPct val="107000"/>
+              </a:lnSpc>
+              <a:tabLst>
+                <a:tab pos="581660" algn="l"/>
+                <a:tab pos="1163320" algn="l"/>
+                <a:tab pos="1744980" algn="l"/>
+                <a:tab pos="2326640" algn="l"/>
+                <a:tab pos="2908300" algn="l"/>
+                <a:tab pos="3489960" algn="l"/>
+                <a:tab pos="4071620" algn="l"/>
+                <a:tab pos="4653280" algn="l"/>
+                <a:tab pos="5234940" algn="l"/>
+                <a:tab pos="5816600" algn="l"/>
+                <a:tab pos="6398260" algn="l"/>
+                <a:tab pos="6979920" algn="l"/>
+                <a:tab pos="7561580" algn="l"/>
+                <a:tab pos="8143240" algn="l"/>
+                <a:tab pos="8724900" algn="l"/>
+                <a:tab pos="9306560" algn="l"/>
+              </a:tabLst>
+            </a:pPr>
+            <a:r>
+              <a:rPr lang="en-US" sz="1000" dirty="0">
+                <a:solidFill>
+                  <a:srgbClr val="333333"/>
+                </a:solidFill>
+                <a:latin typeface="Consolas" panose="020B0609020204030204" pitchFamily="49" charset="0"/>
+                <a:ea typeface="Times New Roman" panose="02020603050405020304" pitchFamily="18" charset="0"/>
+                <a:cs typeface="Times New Roman" panose="02020603050405020304" pitchFamily="18" charset="0"/>
+              </a:rPr>
+              <a:t> </a:t>
+            </a:r>
+            <a:endParaRPr lang="en-US" sz="1000" dirty="0">
+              <a:latin typeface="Calibri" panose="020F0502020204030204" pitchFamily="34" charset="0"/>
+              <a:ea typeface="Calibri" panose="020F0502020204030204" pitchFamily="34" charset="0"/>
+              <a:cs typeface="Times New Roman" panose="02020603050405020304" pitchFamily="18" charset="0"/>
+            </a:endParaRPr>
+          </a:p>
+        </p:txBody>
+      </p:sp>
+      <p:sp>
+        <p:nvSpPr>
+          <p:cNvPr id="9" name="Rectangle 8"/>
+          <p:cNvSpPr/>
+          <p:nvPr/>
+        </p:nvSpPr>
+        <p:spPr>
+          <a:xfrm>
+            <a:off x="568619" y="836162"/>
+            <a:ext cx="5367575" cy="369332"/>
+          </a:xfrm>
+          <a:prstGeom prst="rect">
+            <a:avLst/>
+          </a:prstGeom>
+        </p:spPr>
+        <p:txBody>
+          <a:bodyPr wrap="none">
+            <a:spAutoFit/>
+          </a:bodyPr>
+          <a:lstStyle/>
+          <a:p>
+            <a:r>
+              <a:rPr lang="en-US" dirty="0" smtClean="0"/>
+              <a:t>Here is what a Post and User document might look like </a:t>
+            </a:r>
+            <a:endParaRPr lang="en-US" dirty="0"/>
           </a:p>
         </p:txBody>
       </p:sp>
     </p:spTree>
     <p:extLst>
       <p:ext uri="{BB962C8B-B14F-4D97-AF65-F5344CB8AC3E}">
-        <p14:creationId xmlns:p14="http://schemas.microsoft.com/office/powerpoint/2010/main" val="4047681531"/>
+        <p14:creationId xmlns:p14="http://schemas.microsoft.com/office/powerpoint/2010/main" val="3616985436"/>
       </p:ext>
     </p:extLst>
   </p:cSld>
   <p:clrMapOvr>
     <a:masterClrMapping/>
   </p:clrMapOvr>
+  <p:timing>
+    <p:tnLst>
+      <p:par>
+        <p:cTn xmlns:p14="http://schemas.microsoft.com/office/powerpoint/2010/main" id="1" dur="indefinite" restart="never" nodeType="tmRoot"/>
+      </p:par>
+    </p:tnLst>
+  </p:timing>
 </p:sld>
 </file>
 
@@ -3974,8 +6040,8 @@
           <a:lstStyle/>
           <a:p>
             <a:r>
-              <a:rPr lang="en-US" dirty="0" smtClean="0"/>
-              <a:t>Creating Schemas</a:t>
+              <a:rPr lang="en-US" dirty="0" err="1" smtClean="0"/>
+              <a:t>MongoDB</a:t>
             </a:r>
             <a:endParaRPr lang="en-US" dirty="0"/>
           </a:p>
@@ -4003,7 +6069,7 @@
     </p:spTree>
     <p:extLst>
       <p:ext uri="{BB962C8B-B14F-4D97-AF65-F5344CB8AC3E}">
-        <p14:creationId xmlns:p14="http://schemas.microsoft.com/office/powerpoint/2010/main" val="3975887834"/>
+        <p14:creationId xmlns:p14="http://schemas.microsoft.com/office/powerpoint/2010/main" val="4047681531"/>
       </p:ext>
     </p:extLst>
   </p:cSld>
@@ -4014,6 +6080,266 @@
 </file>
 
 <file path=ppt/slides/slide6.xml><?xml version="1.0" encoding="utf-8"?>
+<p:sld xmlns:a="http://schemas.openxmlformats.org/drawingml/2006/main" xmlns:r="http://schemas.openxmlformats.org/officeDocument/2006/relationships" xmlns:p="http://schemas.openxmlformats.org/presentationml/2006/main">
+  <p:cSld>
+    <p:spTree>
+      <p:nvGrpSpPr>
+        <p:cNvPr id="1" name=""/>
+        <p:cNvGrpSpPr/>
+        <p:nvPr/>
+      </p:nvGrpSpPr>
+      <p:grpSpPr>
+        <a:xfrm>
+          <a:off x="0" y="0"/>
+          <a:ext cx="0" cy="0"/>
+          <a:chOff x="0" y="0"/>
+          <a:chExt cx="0" cy="0"/>
+        </a:xfrm>
+      </p:grpSpPr>
+      <p:sp>
+        <p:nvSpPr>
+          <p:cNvPr id="2" name="Title 1"/>
+          <p:cNvSpPr>
+            <a:spLocks noGrp="1"/>
+          </p:cNvSpPr>
+          <p:nvPr>
+            <p:ph type="title"/>
+          </p:nvPr>
+        </p:nvSpPr>
+        <p:spPr/>
+        <p:txBody>
+          <a:bodyPr/>
+          <a:lstStyle/>
+          <a:p>
+            <a:r>
+              <a:rPr lang="en-US" dirty="0" err="1" smtClean="0"/>
+              <a:t>MongoDB</a:t>
+            </a:r>
+            <a:endParaRPr lang="en-US" dirty="0"/>
+          </a:p>
+        </p:txBody>
+      </p:sp>
+      <p:sp>
+        <p:nvSpPr>
+          <p:cNvPr id="3" name="Content Placeholder 2"/>
+          <p:cNvSpPr>
+            <a:spLocks noGrp="1"/>
+          </p:cNvSpPr>
+          <p:nvPr>
+            <p:ph sz="quarter" idx="10"/>
+          </p:nvPr>
+        </p:nvSpPr>
+        <p:spPr/>
+        <p:txBody>
+          <a:bodyPr/>
+          <a:lstStyle/>
+          <a:p>
+            <a:r>
+              <a:rPr lang="en-US" dirty="0" smtClean="0"/>
+              <a:t>Popular open source Document Oriented Database</a:t>
+            </a:r>
+          </a:p>
+          <a:p>
+            <a:endParaRPr lang="en-US" dirty="0" smtClean="0"/>
+          </a:p>
+          <a:p>
+            <a:pPr marL="0" indent="0">
+              <a:buNone/>
+            </a:pPr>
+            <a:endParaRPr lang="en-US" dirty="0" smtClean="0"/>
+          </a:p>
+          <a:p>
+            <a:r>
+              <a:rPr lang="en-US" dirty="0" smtClean="0"/>
+              <a:t>Fully managed on Azure via </a:t>
+            </a:r>
+            <a:r>
+              <a:rPr lang="en-US" dirty="0" err="1" smtClean="0"/>
+              <a:t>Mongolab</a:t>
+            </a:r>
+            <a:endParaRPr lang="en-US" dirty="0" smtClean="0"/>
+          </a:p>
+          <a:p>
+            <a:endParaRPr lang="en-US" dirty="0"/>
+          </a:p>
+          <a:p>
+            <a:endParaRPr lang="en-US" dirty="0" smtClean="0"/>
+          </a:p>
+          <a:p>
+            <a:r>
+              <a:rPr lang="en-US" dirty="0" smtClean="0"/>
+              <a:t>Drivers available in virtually every development language</a:t>
+            </a:r>
+            <a:endParaRPr lang="en-US" dirty="0" smtClean="0"/>
+          </a:p>
+          <a:p>
+            <a:pPr marL="0" indent="0">
+              <a:buNone/>
+            </a:pPr>
+            <a:endParaRPr lang="en-US" dirty="0"/>
+          </a:p>
+        </p:txBody>
+      </p:sp>
+    </p:spTree>
+    <p:extLst>
+      <p:ext uri="{BB962C8B-B14F-4D97-AF65-F5344CB8AC3E}">
+        <p14:creationId xmlns:p14="http://schemas.microsoft.com/office/powerpoint/2010/main" val="403250122"/>
+      </p:ext>
+    </p:extLst>
+  </p:cSld>
+  <p:clrMapOvr>
+    <a:masterClrMapping/>
+  </p:clrMapOvr>
+  <p:timing>
+    <p:tnLst>
+      <p:par>
+        <p:cTn xmlns:p14="http://schemas.microsoft.com/office/powerpoint/2010/main" id="1" dur="indefinite" restart="never" nodeType="tmRoot"/>
+      </p:par>
+    </p:tnLst>
+  </p:timing>
+</p:sld>
+</file>
+
+<file path=ppt/slides/slide7.xml><?xml version="1.0" encoding="utf-8"?>
+<p:sld xmlns:a="http://schemas.openxmlformats.org/drawingml/2006/main" xmlns:r="http://schemas.openxmlformats.org/officeDocument/2006/relationships" xmlns:p="http://schemas.openxmlformats.org/presentationml/2006/main">
+  <p:cSld>
+    <p:spTree>
+      <p:nvGrpSpPr>
+        <p:cNvPr id="1" name=""/>
+        <p:cNvGrpSpPr/>
+        <p:nvPr/>
+      </p:nvGrpSpPr>
+      <p:grpSpPr>
+        <a:xfrm>
+          <a:off x="0" y="0"/>
+          <a:ext cx="0" cy="0"/>
+          <a:chOff x="0" y="0"/>
+          <a:chExt cx="0" cy="0"/>
+        </a:xfrm>
+      </p:grpSpPr>
+      <p:sp>
+        <p:nvSpPr>
+          <p:cNvPr id="2" name="Title 1"/>
+          <p:cNvSpPr>
+            <a:spLocks noGrp="1"/>
+          </p:cNvSpPr>
+          <p:nvPr>
+            <p:ph type="title"/>
+          </p:nvPr>
+        </p:nvSpPr>
+        <p:spPr/>
+        <p:txBody>
+          <a:bodyPr/>
+          <a:lstStyle/>
+          <a:p>
+            <a:r>
+              <a:rPr lang="en-US" dirty="0" err="1" smtClean="0"/>
+              <a:t>MongoDB</a:t>
+            </a:r>
+            <a:r>
+              <a:rPr lang="en-US" dirty="0" smtClean="0"/>
+              <a:t> Binaries</a:t>
+            </a:r>
+            <a:endParaRPr lang="en-US" dirty="0"/>
+          </a:p>
+        </p:txBody>
+      </p:sp>
+      <p:sp>
+        <p:nvSpPr>
+          <p:cNvPr id="3" name="Content Placeholder 2"/>
+          <p:cNvSpPr>
+            <a:spLocks noGrp="1"/>
+          </p:cNvSpPr>
+          <p:nvPr>
+            <p:ph sz="quarter" idx="10"/>
+          </p:nvPr>
+        </p:nvSpPr>
+        <p:spPr/>
+        <p:txBody>
+          <a:bodyPr/>
+          <a:lstStyle/>
+          <a:p>
+            <a:r>
+              <a:rPr lang="en-US" dirty="0" smtClean="0"/>
+              <a:t>The following binaries are installed onto your machine</a:t>
+            </a:r>
+          </a:p>
+          <a:p>
+            <a:endParaRPr lang="en-US" dirty="0"/>
+          </a:p>
+          <a:p>
+            <a:pPr lvl="1"/>
+            <a:r>
+              <a:rPr lang="en-US" dirty="0" err="1"/>
+              <a:t>m</a:t>
+            </a:r>
+            <a:r>
+              <a:rPr lang="en-US" dirty="0" err="1" smtClean="0"/>
+              <a:t>ongod</a:t>
+            </a:r>
+            <a:r>
+              <a:rPr lang="en-US" dirty="0" smtClean="0"/>
+              <a:t> – The database process</a:t>
+            </a:r>
+          </a:p>
+          <a:p>
+            <a:pPr lvl="1"/>
+            <a:endParaRPr lang="en-US" dirty="0"/>
+          </a:p>
+          <a:p>
+            <a:pPr lvl="1"/>
+            <a:r>
+              <a:rPr lang="en-US" dirty="0" smtClean="0"/>
+              <a:t>mongo – The </a:t>
+            </a:r>
+            <a:r>
+              <a:rPr lang="en-US" dirty="0" err="1" smtClean="0"/>
+              <a:t>mongodb</a:t>
+            </a:r>
+            <a:r>
+              <a:rPr lang="en-US" dirty="0" smtClean="0"/>
+              <a:t> CLI</a:t>
+            </a:r>
+          </a:p>
+          <a:p>
+            <a:pPr lvl="1"/>
+            <a:endParaRPr lang="en-US" dirty="0"/>
+          </a:p>
+          <a:p>
+            <a:pPr lvl="1"/>
+            <a:r>
+              <a:rPr lang="en-US" dirty="0" err="1" smtClean="0"/>
+              <a:t>mongoimport</a:t>
+            </a:r>
+            <a:r>
+              <a:rPr lang="en-US" dirty="0" smtClean="0"/>
+              <a:t> – A data import utility </a:t>
+            </a:r>
+            <a:endParaRPr lang="en-US" dirty="0"/>
+          </a:p>
+        </p:txBody>
+      </p:sp>
+    </p:spTree>
+    <p:extLst>
+      <p:ext uri="{BB962C8B-B14F-4D97-AF65-F5344CB8AC3E}">
+        <p14:creationId xmlns:p14="http://schemas.microsoft.com/office/powerpoint/2010/main" val="859300018"/>
+      </p:ext>
+    </p:extLst>
+  </p:cSld>
+  <p:clrMapOvr>
+    <a:masterClrMapping/>
+  </p:clrMapOvr>
+  <p:timing>
+    <p:tnLst>
+      <p:par>
+        <p:cTn xmlns:p14="http://schemas.microsoft.com/office/powerpoint/2010/main" id="1" dur="indefinite" restart="never" nodeType="tmRoot"/>
+      </p:par>
+    </p:tnLst>
+  </p:timing>
+</p:sld>
+</file>
+
+<file path=ppt/slides/slide8.xml><?xml version="1.0" encoding="utf-8"?>
 <p:sld xmlns:a="http://schemas.openxmlformats.org/drawingml/2006/main" xmlns:r="http://schemas.openxmlformats.org/officeDocument/2006/relationships" xmlns:p="http://schemas.openxmlformats.org/presentationml/2006/main">
   <p:cSld>
     <p:spTree>
@@ -4046,14 +6372,18 @@
           <a:lstStyle/>
           <a:p>
             <a:r>
+              <a:rPr lang="en-US" dirty="0" err="1" smtClean="0"/>
+              <a:t>MongoDB</a:t>
+            </a:r>
+            <a:r>
               <a:rPr lang="en-US" dirty="0" smtClean="0"/>
-              <a:t>Querying and </a:t>
-            </a:r>
-            <a:r>
-              <a:rPr lang="en-US" smtClean="0"/>
-              <a:t>Inserting Data</a:t>
-            </a:r>
-            <a:endParaRPr lang="en-US"/>
+              <a:t> + </a:t>
+            </a:r>
+            <a:r>
+              <a:rPr lang="en-US" dirty="0" err="1" smtClean="0"/>
+              <a:t>Node.js</a:t>
+            </a:r>
+            <a:endParaRPr lang="en-US" dirty="0"/>
           </a:p>
         </p:txBody>
       </p:sp>
@@ -4079,7 +6409,7 @@
     </p:spTree>
     <p:extLst>
       <p:ext uri="{BB962C8B-B14F-4D97-AF65-F5344CB8AC3E}">
-        <p14:creationId xmlns:p14="http://schemas.microsoft.com/office/powerpoint/2010/main" val="3568239623"/>
+        <p14:creationId xmlns:p14="http://schemas.microsoft.com/office/powerpoint/2010/main" val="3975887834"/>
       </p:ext>
     </p:extLst>
   </p:cSld>
@@ -4089,7 +6419,7 @@
 </p:sld>
 </file>
 
-<file path=ppt/slides/slide7.xml><?xml version="1.0" encoding="utf-8"?>
+<file path=ppt/slides/slide9.xml><?xml version="1.0" encoding="utf-8"?>
 <p:sld xmlns:a="http://schemas.openxmlformats.org/drawingml/2006/main" xmlns:r="http://schemas.openxmlformats.org/officeDocument/2006/relationships" xmlns:p="http://schemas.openxmlformats.org/presentationml/2006/main">
   <p:cSld>
     <p:spTree>
@@ -4106,16 +6436,115 @@
           <a:chExt cx="0" cy="0"/>
         </a:xfrm>
       </p:grpSpPr>
+      <p:sp>
+        <p:nvSpPr>
+          <p:cNvPr id="2" name="Title 1"/>
+          <p:cNvSpPr>
+            <a:spLocks noGrp="1"/>
+          </p:cNvSpPr>
+          <p:nvPr>
+            <p:ph type="title"/>
+          </p:nvPr>
+        </p:nvSpPr>
+        <p:spPr/>
+        <p:txBody>
+          <a:bodyPr/>
+          <a:lstStyle/>
+          <a:p>
+            <a:r>
+              <a:rPr lang="en-US" dirty="0" smtClean="0"/>
+              <a:t>Mongoose ODM</a:t>
+            </a:r>
+            <a:endParaRPr lang="en-US" dirty="0"/>
+          </a:p>
+        </p:txBody>
+      </p:sp>
+      <p:sp>
+        <p:nvSpPr>
+          <p:cNvPr id="3" name="Content Placeholder 2"/>
+          <p:cNvSpPr>
+            <a:spLocks noGrp="1"/>
+          </p:cNvSpPr>
+          <p:nvPr>
+            <p:ph sz="quarter" idx="10"/>
+          </p:nvPr>
+        </p:nvSpPr>
+        <p:spPr/>
+        <p:txBody>
+          <a:bodyPr/>
+          <a:lstStyle/>
+          <a:p>
+            <a:r>
+              <a:rPr lang="en-US" dirty="0" err="1" smtClean="0"/>
+              <a:t>Node.js</a:t>
+            </a:r>
+            <a:r>
+              <a:rPr lang="en-US" dirty="0" smtClean="0"/>
+              <a:t> driver – </a:t>
+            </a:r>
+            <a:r>
+              <a:rPr lang="en-US" dirty="0" err="1" smtClean="0"/>
+              <a:t>npm</a:t>
+            </a:r>
+            <a:r>
+              <a:rPr lang="en-US" dirty="0" smtClean="0"/>
+              <a:t> install </a:t>
+            </a:r>
+            <a:r>
+              <a:rPr lang="en-US" dirty="0" err="1" smtClean="0"/>
+              <a:t>mongodb</a:t>
+            </a:r>
+            <a:r>
+              <a:rPr lang="en-US" dirty="0" smtClean="0"/>
+              <a:t> –save </a:t>
+            </a:r>
+          </a:p>
+          <a:p>
+            <a:endParaRPr lang="en-US" dirty="0" smtClean="0"/>
+          </a:p>
+          <a:p>
+            <a:endParaRPr lang="en-US" dirty="0"/>
+          </a:p>
+          <a:p>
+            <a:endParaRPr lang="en-US" dirty="0" smtClean="0"/>
+          </a:p>
+          <a:p>
+            <a:endParaRPr lang="en-US" dirty="0"/>
+          </a:p>
+          <a:p>
+            <a:r>
+              <a:rPr lang="en-US" dirty="0" smtClean="0"/>
+              <a:t>Object Data Mapper – </a:t>
+            </a:r>
+            <a:r>
+              <a:rPr lang="en-US" dirty="0" err="1" smtClean="0"/>
+              <a:t>npm</a:t>
+            </a:r>
+            <a:r>
+              <a:rPr lang="en-US" dirty="0" smtClean="0"/>
+              <a:t> install mongoose –save</a:t>
+            </a:r>
+            <a:endParaRPr lang="en-US" dirty="0"/>
+          </a:p>
+        </p:txBody>
+      </p:sp>
     </p:spTree>
     <p:extLst>
       <p:ext uri="{BB962C8B-B14F-4D97-AF65-F5344CB8AC3E}">
-        <p14:creationId xmlns:p14="http://schemas.microsoft.com/office/powerpoint/2010/main" val="898363405"/>
+        <p14:creationId xmlns:p14="http://schemas.microsoft.com/office/powerpoint/2010/main" val="2345926221"/>
       </p:ext>
     </p:extLst>
   </p:cSld>
   <p:clrMapOvr>
     <a:masterClrMapping/>
   </p:clrMapOvr>
+  <p:timing>
+    <p:tnLst>
+      <p:par>
+        <p:cTn xmlns:p14="http://schemas.microsoft.com/office/powerpoint/2010/main" id="1" dur="indefinite" restart="never" nodeType="tmRoot"/>
+      </p:par>
+    </p:tnLst>
+  </p:timing>
 </p:sld>
 </file>
 
@@ -4659,7 +7088,7 @@
   <a:extraClrSchemeLst/>
   <a:extLst>
     <a:ext uri="{05A4C25C-085E-4340-85A3-A5531E510DB2}">
-      <thm15:themeFamily xmlns="" xmlns:thm15="http://schemas.microsoft.com/office/thememl/2012/main" name="Office Theme" id="{62F939B6-93AF-4DB8-9C6B-D6C7DFDC589F}" vid="{4A3C46E8-61CC-4603-A589-7422A47A8E4A}"/>
+      <thm15:themeFamily xmlns:thm15="http://schemas.microsoft.com/office/thememl/2012/main" xmlns="" name="Office Theme" id="{62F939B6-93AF-4DB8-9C6B-D6C7DFDC589F}" vid="{4A3C46E8-61CC-4603-A589-7422A47A8E4A}"/>
     </a:ext>
   </a:extLst>
 </a:theme>
@@ -4920,7 +7349,7 @@
   <a:extraClrSchemeLst/>
   <a:extLst>
     <a:ext uri="{05A4C25C-085E-4340-85A3-A5531E510DB2}">
-      <thm15:themeFamily xmlns="" xmlns:thm15="http://schemas.microsoft.com/office/thememl/2012/main" name="Office Theme" id="{62F939B6-93AF-4DB8-9C6B-D6C7DFDC589F}" vid="{4A3C46E8-61CC-4603-A589-7422A47A8E4A}"/>
+      <thm15:themeFamily xmlns:thm15="http://schemas.microsoft.com/office/thememl/2012/main" xmlns="" name="Office Theme" id="{62F939B6-93AF-4DB8-9C6B-D6C7DFDC589F}" vid="{4A3C46E8-61CC-4603-A589-7422A47A8E4A}"/>
     </a:ext>
   </a:extLst>
 </a:theme>

--- a/slides/module4.pptx
+++ b/slides/module4.pptx
@@ -5,10 +5,10 @@
     <p:sldMasterId id="2147483660" r:id="rId4"/>
   </p:sldMasterIdLst>
   <p:notesMasterIdLst>
-    <p:notesMasterId r:id="rId21"/>
+    <p:notesMasterId r:id="rId20"/>
   </p:notesMasterIdLst>
   <p:handoutMasterIdLst>
-    <p:handoutMasterId r:id="rId22"/>
+    <p:handoutMasterId r:id="rId21"/>
   </p:handoutMasterIdLst>
   <p:sldIdLst>
     <p:sldId id="277" r:id="rId5"/>
@@ -22,11 +22,10 @@
     <p:sldId id="291" r:id="rId13"/>
     <p:sldId id="292" r:id="rId14"/>
     <p:sldId id="293" r:id="rId15"/>
-    <p:sldId id="296" r:id="rId16"/>
-    <p:sldId id="297" r:id="rId17"/>
-    <p:sldId id="288" r:id="rId18"/>
-    <p:sldId id="294" r:id="rId19"/>
-    <p:sldId id="269" r:id="rId20"/>
+    <p:sldId id="298" r:id="rId16"/>
+    <p:sldId id="296" r:id="rId17"/>
+    <p:sldId id="297" r:id="rId18"/>
+    <p:sldId id="269" r:id="rId19"/>
   </p:sldIdLst>
   <p:sldSz cx="12192000" cy="6858000"/>
   <p:notesSz cx="6858000" cy="9144000"/>
@@ -815,6 +814,182 @@
               <a:rPr lang="en-US" smtClean="0"/>
               <a:pPr/>
               <a:t>2</a:t>
+            </a:fld>
+            <a:endParaRPr lang="en-US" dirty="0"/>
+          </a:p>
+        </p:txBody>
+      </p:sp>
+    </p:spTree>
+    <p:extLst>
+      <p:ext uri="{BB962C8B-B14F-4D97-AF65-F5344CB8AC3E}">
+        <p14:creationId xmlns:p14="http://schemas.microsoft.com/office/powerpoint/2010/main" val="1542757562"/>
+      </p:ext>
+    </p:extLst>
+  </p:cSld>
+  <p:clrMapOvr>
+    <a:masterClrMapping/>
+  </p:clrMapOvr>
+</p:notes>
+</file>
+
+<file path=ppt/notesSlides/notesSlide3.xml><?xml version="1.0" encoding="utf-8"?>
+<p:notes xmlns:a="http://schemas.openxmlformats.org/drawingml/2006/main" xmlns:r="http://schemas.openxmlformats.org/officeDocument/2006/relationships" xmlns:p="http://schemas.openxmlformats.org/presentationml/2006/main">
+  <p:cSld>
+    <p:spTree>
+      <p:nvGrpSpPr>
+        <p:cNvPr id="1" name=""/>
+        <p:cNvGrpSpPr/>
+        <p:nvPr/>
+      </p:nvGrpSpPr>
+      <p:grpSpPr>
+        <a:xfrm>
+          <a:off x="0" y="0"/>
+          <a:ext cx="0" cy="0"/>
+          <a:chOff x="0" y="0"/>
+          <a:chExt cx="0" cy="0"/>
+        </a:xfrm>
+      </p:grpSpPr>
+      <p:sp>
+        <p:nvSpPr>
+          <p:cNvPr id="2" name="Slide Image Placeholder 1"/>
+          <p:cNvSpPr>
+            <a:spLocks noGrp="1" noRot="1" noChangeAspect="1"/>
+          </p:cNvSpPr>
+          <p:nvPr>
+            <p:ph type="sldImg"/>
+          </p:nvPr>
+        </p:nvSpPr>
+        <p:spPr/>
+      </p:sp>
+      <p:sp>
+        <p:nvSpPr>
+          <p:cNvPr id="3" name="Notes Placeholder 2"/>
+          <p:cNvSpPr>
+            <a:spLocks noGrp="1"/>
+          </p:cNvSpPr>
+          <p:nvPr>
+            <p:ph type="body" idx="1"/>
+          </p:nvPr>
+        </p:nvSpPr>
+        <p:spPr/>
+        <p:txBody>
+          <a:bodyPr/>
+          <a:lstStyle/>
+          <a:p>
+            <a:endParaRPr lang="en-US" dirty="0"/>
+          </a:p>
+        </p:txBody>
+      </p:sp>
+      <p:sp>
+        <p:nvSpPr>
+          <p:cNvPr id="4" name="Slide Number Placeholder 3"/>
+          <p:cNvSpPr>
+            <a:spLocks noGrp="1"/>
+          </p:cNvSpPr>
+          <p:nvPr>
+            <p:ph type="sldNum" sz="quarter" idx="10"/>
+          </p:nvPr>
+        </p:nvSpPr>
+        <p:spPr/>
+        <p:txBody>
+          <a:bodyPr/>
+          <a:lstStyle/>
+          <a:p>
+            <a:fld id="{4CFD207A-07DF-40AD-A916-9872E089CE7A}" type="slidenum">
+              <a:rPr lang="en-US" smtClean="0"/>
+              <a:t>4</a:t>
+            </a:fld>
+            <a:endParaRPr lang="en-US"/>
+          </a:p>
+        </p:txBody>
+      </p:sp>
+    </p:spTree>
+    <p:extLst>
+      <p:ext uri="{BB962C8B-B14F-4D97-AF65-F5344CB8AC3E}">
+        <p14:creationId xmlns:p14="http://schemas.microsoft.com/office/powerpoint/2010/main" val="2599876714"/>
+      </p:ext>
+    </p:extLst>
+  </p:cSld>
+  <p:clrMapOvr>
+    <a:masterClrMapping/>
+  </p:clrMapOvr>
+</p:notes>
+</file>
+
+<file path=ppt/notesSlides/notesSlide4.xml><?xml version="1.0" encoding="utf-8"?>
+<p:notes xmlns:a="http://schemas.openxmlformats.org/drawingml/2006/main" xmlns:r="http://schemas.openxmlformats.org/officeDocument/2006/relationships" xmlns:p="http://schemas.openxmlformats.org/presentationml/2006/main">
+  <p:cSld>
+    <p:spTree>
+      <p:nvGrpSpPr>
+        <p:cNvPr id="1" name=""/>
+        <p:cNvGrpSpPr/>
+        <p:nvPr/>
+      </p:nvGrpSpPr>
+      <p:grpSpPr>
+        <a:xfrm>
+          <a:off x="0" y="0"/>
+          <a:ext cx="0" cy="0"/>
+          <a:chOff x="0" y="0"/>
+          <a:chExt cx="0" cy="0"/>
+        </a:xfrm>
+      </p:grpSpPr>
+      <p:sp>
+        <p:nvSpPr>
+          <p:cNvPr id="2" name="Slide Image Placeholder 1"/>
+          <p:cNvSpPr>
+            <a:spLocks noGrp="1" noRot="1" noChangeAspect="1"/>
+          </p:cNvSpPr>
+          <p:nvPr>
+            <p:ph type="sldImg"/>
+          </p:nvPr>
+        </p:nvSpPr>
+        <p:spPr/>
+      </p:sp>
+      <p:sp>
+        <p:nvSpPr>
+          <p:cNvPr id="3" name="Notes Placeholder 2"/>
+          <p:cNvSpPr>
+            <a:spLocks noGrp="1"/>
+          </p:cNvSpPr>
+          <p:nvPr>
+            <p:ph type="body" idx="1"/>
+          </p:nvPr>
+        </p:nvSpPr>
+        <p:spPr/>
+        <p:txBody>
+          <a:bodyPr>
+            <a:noAutofit/>
+          </a:bodyPr>
+          <a:lstStyle/>
+          <a:p>
+            <a:endParaRPr lang="en-GB" dirty="0">
+              <a:solidFill>
+                <a:schemeClr val="tx2"/>
+              </a:solidFill>
+              <a:latin typeface="Segoe" pitchFamily="34" charset="0"/>
+            </a:endParaRPr>
+          </a:p>
+        </p:txBody>
+      </p:sp>
+      <p:sp>
+        <p:nvSpPr>
+          <p:cNvPr id="4" name="Slide Number Placeholder 3"/>
+          <p:cNvSpPr>
+            <a:spLocks noGrp="1"/>
+          </p:cNvSpPr>
+          <p:nvPr>
+            <p:ph type="sldNum" sz="quarter" idx="10"/>
+          </p:nvPr>
+        </p:nvSpPr>
+        <p:spPr/>
+        <p:txBody>
+          <a:bodyPr/>
+          <a:lstStyle/>
+          <a:p>
+            <a:fld id="{13F0F35F-DD44-4607-AEC1-49D7A4BC4066}" type="slidenum">
+              <a:rPr lang="en-US" smtClean="0"/>
+              <a:pPr/>
+              <a:t>12</a:t>
             </a:fld>
             <a:endParaRPr lang="en-US" dirty="0"/>
           </a:p>
@@ -3732,15 +3907,7 @@
           <a:p>
             <a:r>
               <a:rPr lang="en-US" dirty="0" smtClean="0"/>
-              <a:t>You can use it by itself – provides </a:t>
-            </a:r>
-            <a:r>
-              <a:rPr lang="en-US" dirty="0" err="1" smtClean="0"/>
-              <a:t>acces</a:t>
-            </a:r>
-            <a:r>
-              <a:rPr lang="en-US" dirty="0" smtClean="0"/>
-              <a:t> to </a:t>
+              <a:t>You can use it directly– provides access to </a:t>
             </a:r>
             <a:r>
               <a:rPr lang="en-US" dirty="0" err="1" smtClean="0"/>
@@ -3839,13 +4006,27 @@
           <a:p>
             <a:r>
               <a:rPr lang="en-US" dirty="0" smtClean="0"/>
-              <a:t>Popular Object Data Mapper enforcing schemas</a:t>
-            </a:r>
-          </a:p>
-          <a:p>
-            <a:endParaRPr lang="en-US" dirty="0" smtClean="0"/>
-          </a:p>
-          <a:p>
+              <a:t>Popular Object Data Mapper enforcing schemas around </a:t>
+            </a:r>
+            <a:r>
+              <a:rPr lang="en-US" dirty="0" err="1" smtClean="0"/>
+              <a:t>mongodb</a:t>
+            </a:r>
+            <a:r>
+              <a:rPr lang="en-US" dirty="0" smtClean="0"/>
+              <a:t> driver</a:t>
+            </a:r>
+          </a:p>
+          <a:p>
+            <a:pPr marL="0" indent="0">
+              <a:buNone/>
+            </a:pPr>
+            <a:endParaRPr lang="en-US" dirty="0"/>
+          </a:p>
+          <a:p>
+            <a:pPr marL="0" indent="0">
+              <a:buNone/>
+            </a:pPr>
             <a:endParaRPr lang="en-US" dirty="0"/>
           </a:p>
           <a:p>
@@ -3869,8 +4050,6 @@
               <a:rPr lang="en-US" dirty="0" smtClean="0"/>
               <a:t> documents within a collection</a:t>
             </a:r>
-          </a:p>
-          <a:p>
             <a:endParaRPr lang="en-US" dirty="0"/>
           </a:p>
           <a:p>
@@ -3921,6 +4100,61 @@
       </p:grpSpPr>
       <p:sp>
         <p:nvSpPr>
+          <p:cNvPr id="7" name="Content Placeholder 6"/>
+          <p:cNvSpPr>
+            <a:spLocks noGrp="1"/>
+          </p:cNvSpPr>
+          <p:nvPr>
+            <p:ph sz="quarter" idx="10"/>
+          </p:nvPr>
+        </p:nvSpPr>
+        <p:spPr/>
+        <p:txBody>
+          <a:bodyPr>
+            <a:normAutofit/>
+          </a:bodyPr>
+          <a:lstStyle/>
+          <a:p>
+            <a:r>
+              <a:rPr lang="en-GB" dirty="0" smtClean="0"/>
+              <a:t>Getting the user document for GET requests</a:t>
+            </a:r>
+          </a:p>
+          <a:p>
+            <a:endParaRPr lang="en-GB" dirty="0"/>
+          </a:p>
+          <a:p>
+            <a:endParaRPr lang="en-GB" dirty="0" smtClean="0"/>
+          </a:p>
+          <a:p>
+            <a:endParaRPr lang="en-GB" dirty="0" smtClean="0"/>
+          </a:p>
+          <a:p>
+            <a:r>
+              <a:rPr lang="en-GB" dirty="0" smtClean="0"/>
+              <a:t>Creating a user document for POST requests</a:t>
+            </a:r>
+            <a:endParaRPr lang="en-GB" dirty="0" smtClean="0"/>
+          </a:p>
+          <a:p>
+            <a:endParaRPr lang="en-GB" dirty="0" smtClean="0"/>
+          </a:p>
+          <a:p>
+            <a:endParaRPr lang="en-GB" dirty="0" smtClean="0"/>
+          </a:p>
+          <a:p>
+            <a:endParaRPr lang="en-GB" dirty="0" smtClean="0"/>
+          </a:p>
+          <a:p>
+            <a:pPr marL="0" indent="0">
+              <a:buNone/>
+            </a:pPr>
+            <a:endParaRPr lang="en-GB" dirty="0" smtClean="0"/>
+          </a:p>
+        </p:txBody>
+      </p:sp>
+      <p:sp>
+        <p:nvSpPr>
           <p:cNvPr id="2" name="Title 1"/>
           <p:cNvSpPr>
             <a:spLocks noGrp="1"/>
@@ -3931,34 +4165,13 @@
         </p:nvSpPr>
         <p:spPr/>
         <p:txBody>
-          <a:bodyPr>
-            <a:normAutofit fontScale="90000"/>
-          </a:bodyPr>
-          <a:lstStyle/>
-          <a:p>
-            <a:r>
-              <a:rPr lang="en-US" dirty="0" smtClean="0"/>
-              <a:t>Implementing the Post &amp; User Route Handlers		</a:t>
-            </a:r>
-            <a:endParaRPr lang="en-US" dirty="0"/>
-          </a:p>
-        </p:txBody>
-      </p:sp>
-      <p:sp>
-        <p:nvSpPr>
-          <p:cNvPr id="3" name="Content Placeholder 2"/>
-          <p:cNvSpPr>
-            <a:spLocks noGrp="1"/>
-          </p:cNvSpPr>
-          <p:nvPr>
-            <p:ph sz="quarter" idx="10"/>
-          </p:nvPr>
-        </p:nvSpPr>
-        <p:spPr/>
-        <p:txBody>
           <a:bodyPr/>
           <a:lstStyle/>
           <a:p>
+            <a:r>
+              <a:rPr lang="en-US" dirty="0" smtClean="0"/>
+              <a:t>Implementing the User Route Handlers</a:t>
+            </a:r>
             <a:endParaRPr lang="en-US" dirty="0"/>
           </a:p>
         </p:txBody>
@@ -3966,13 +4179,20 @@
     </p:spTree>
     <p:extLst>
       <p:ext uri="{BB962C8B-B14F-4D97-AF65-F5344CB8AC3E}">
-        <p14:creationId xmlns:p14="http://schemas.microsoft.com/office/powerpoint/2010/main" val="2008400479"/>
+        <p14:creationId xmlns:p14="http://schemas.microsoft.com/office/powerpoint/2010/main" val="388554906"/>
       </p:ext>
     </p:extLst>
   </p:cSld>
   <p:clrMapOvr>
     <a:masterClrMapping/>
   </p:clrMapOvr>
+  <p:timing>
+    <p:tnLst>
+      <p:par>
+        <p:cTn xmlns:p14="http://schemas.microsoft.com/office/powerpoint/2010/main" id="1" dur="indefinite" restart="never" nodeType="tmRoot"/>
+      </p:par>
+    </p:tnLst>
+  </p:timing>
 </p:sld>
 </file>
 
@@ -4005,14 +4225,16 @@
         </p:nvSpPr>
         <p:spPr/>
         <p:txBody>
-          <a:bodyPr/>
+          <a:bodyPr>
+            <a:normAutofit/>
+          </a:bodyPr>
           <a:lstStyle/>
           <a:p>
             <a:r>
-              <a:rPr lang="en-US" smtClean="0"/>
-              <a:t>Testing the APIs</a:t>
-            </a:r>
-            <a:endParaRPr lang="en-US"/>
+              <a:rPr lang="en-US" dirty="0" smtClean="0"/>
+              <a:t>Implementing the Post Route Handlers		</a:t>
+            </a:r>
+            <a:endParaRPr lang="en-US" dirty="0"/>
           </a:p>
         </p:txBody>
       </p:sp>
@@ -4031,14 +4253,45 @@
           <a:bodyPr/>
           <a:lstStyle/>
           <a:p>
-            <a:endParaRPr lang="en-US"/>
+            <a:r>
+              <a:rPr lang="en-US" dirty="0" smtClean="0"/>
+              <a:t>Create Post document for POST requests</a:t>
+            </a:r>
+          </a:p>
+          <a:p>
+            <a:endParaRPr lang="en-US" dirty="0" smtClean="0"/>
+          </a:p>
+          <a:p>
+            <a:endParaRPr lang="en-US" dirty="0"/>
+          </a:p>
+          <a:p>
+            <a:r>
+              <a:rPr lang="en-US" dirty="0" smtClean="0"/>
+              <a:t>Updating Post document for PUT requests</a:t>
+            </a:r>
+          </a:p>
+          <a:p>
+            <a:endParaRPr lang="en-US" dirty="0"/>
+          </a:p>
+          <a:p>
+            <a:endParaRPr lang="en-US" dirty="0" smtClean="0"/>
+          </a:p>
+          <a:p>
+            <a:r>
+              <a:rPr lang="en-US" dirty="0" smtClean="0"/>
+              <a:t>Deleting a Post document for DELTE requests</a:t>
+            </a:r>
+            <a:endParaRPr lang="en-US" dirty="0"/>
+          </a:p>
+          <a:p>
+            <a:endParaRPr lang="en-US" dirty="0"/>
           </a:p>
         </p:txBody>
       </p:sp>
     </p:spTree>
     <p:extLst>
       <p:ext uri="{BB962C8B-B14F-4D97-AF65-F5344CB8AC3E}">
-        <p14:creationId xmlns:p14="http://schemas.microsoft.com/office/powerpoint/2010/main" val="1820276271"/>
+        <p14:creationId xmlns:p14="http://schemas.microsoft.com/office/powerpoint/2010/main" val="2008400479"/>
       </p:ext>
     </p:extLst>
   </p:cSld>
@@ -4067,12 +4320,12 @@
       </p:grpSpPr>
       <p:sp>
         <p:nvSpPr>
-          <p:cNvPr id="2" name="Text Placeholder 1"/>
+          <p:cNvPr id="2" name="Title 1"/>
           <p:cNvSpPr>
             <a:spLocks noGrp="1"/>
           </p:cNvSpPr>
           <p:nvPr>
-            <p:ph type="body" sz="quarter" idx="10"/>
+            <p:ph type="title"/>
           </p:nvPr>
         </p:nvSpPr>
         <p:spPr/>
@@ -4082,7 +4335,7 @@
           <a:p>
             <a:r>
               <a:rPr lang="en-US" dirty="0" smtClean="0"/>
-              <a:t>Querying and Inserting Data</a:t>
+              <a:t>Testing the APIs</a:t>
             </a:r>
             <a:endParaRPr lang="en-US" dirty="0"/>
           </a:p>
@@ -4090,12 +4343,12 @@
       </p:sp>
       <p:sp>
         <p:nvSpPr>
-          <p:cNvPr id="3" name="Subtitle 2"/>
+          <p:cNvPr id="3" name="Content Placeholder 2"/>
           <p:cNvSpPr>
             <a:spLocks noGrp="1"/>
           </p:cNvSpPr>
           <p:nvPr>
-            <p:ph type="subTitle" idx="1"/>
+            <p:ph sz="quarter" idx="10"/>
           </p:nvPr>
         </p:nvSpPr>
         <p:spPr/>
@@ -4103,14 +4356,39 @@
           <a:bodyPr/>
           <a:lstStyle/>
           <a:p>
-            <a:endParaRPr lang="en-US"/>
+            <a:r>
+              <a:rPr lang="en-US" dirty="0" smtClean="0"/>
+              <a:t>Advanced Rest Client for Chrome</a:t>
+            </a:r>
+          </a:p>
+          <a:p>
+            <a:endParaRPr lang="en-US" dirty="0"/>
+          </a:p>
+          <a:p>
+            <a:endParaRPr lang="en-US" dirty="0" smtClean="0"/>
+          </a:p>
+          <a:p>
+            <a:endParaRPr lang="en-US" dirty="0"/>
+          </a:p>
+          <a:p>
+            <a:endParaRPr lang="en-US" dirty="0" smtClean="0"/>
+          </a:p>
+          <a:p>
+            <a:endParaRPr lang="en-US" dirty="0" smtClean="0"/>
+          </a:p>
+          <a:p>
+            <a:r>
+              <a:rPr lang="en-US" dirty="0" smtClean="0"/>
+              <a:t>Postman Client for Chrome</a:t>
+            </a:r>
+            <a:endParaRPr lang="en-US" dirty="0"/>
           </a:p>
         </p:txBody>
       </p:sp>
     </p:spTree>
     <p:extLst>
       <p:ext uri="{BB962C8B-B14F-4D97-AF65-F5344CB8AC3E}">
-        <p14:creationId xmlns:p14="http://schemas.microsoft.com/office/powerpoint/2010/main" val="3568239623"/>
+        <p14:creationId xmlns:p14="http://schemas.microsoft.com/office/powerpoint/2010/main" val="1820276271"/>
       </p:ext>
     </p:extLst>
   </p:cSld>
@@ -4121,111 +4399,6 @@
 </file>
 
 <file path=ppt/slides/slide15.xml><?xml version="1.0" encoding="utf-8"?>
-<p:sld xmlns:a="http://schemas.openxmlformats.org/drawingml/2006/main" xmlns:r="http://schemas.openxmlformats.org/officeDocument/2006/relationships" xmlns:p="http://schemas.openxmlformats.org/presentationml/2006/main">
-  <p:cSld>
-    <p:spTree>
-      <p:nvGrpSpPr>
-        <p:cNvPr id="1" name=""/>
-        <p:cNvGrpSpPr/>
-        <p:nvPr/>
-      </p:nvGrpSpPr>
-      <p:grpSpPr>
-        <a:xfrm>
-          <a:off x="0" y="0"/>
-          <a:ext cx="0" cy="0"/>
-          <a:chOff x="0" y="0"/>
-          <a:chExt cx="0" cy="0"/>
-        </a:xfrm>
-      </p:grpSpPr>
-      <p:sp>
-        <p:nvSpPr>
-          <p:cNvPr id="2" name="Title 1"/>
-          <p:cNvSpPr>
-            <a:spLocks noGrp="1"/>
-          </p:cNvSpPr>
-          <p:nvPr>
-            <p:ph type="title"/>
-          </p:nvPr>
-        </p:nvSpPr>
-        <p:spPr/>
-        <p:txBody>
-          <a:bodyPr/>
-          <a:lstStyle/>
-          <a:p>
-            <a:r>
-              <a:rPr lang="en-US" b="1" dirty="0"/>
-              <a:t>Queries</a:t>
-            </a:r>
-          </a:p>
-        </p:txBody>
-      </p:sp>
-      <p:sp>
-        <p:nvSpPr>
-          <p:cNvPr id="3" name="Content Placeholder 2"/>
-          <p:cNvSpPr>
-            <a:spLocks noGrp="1"/>
-          </p:cNvSpPr>
-          <p:nvPr>
-            <p:ph sz="quarter" idx="10"/>
-          </p:nvPr>
-        </p:nvSpPr>
-        <p:spPr/>
-        <p:txBody>
-          <a:bodyPr/>
-          <a:lstStyle/>
-          <a:p>
-            <a:r>
-              <a:rPr lang="en-US" dirty="0" smtClean="0"/>
-              <a:t>Use a Query Object to Fetch Requested Data</a:t>
-            </a:r>
-          </a:p>
-          <a:p>
-            <a:endParaRPr lang="en-US" dirty="0" smtClean="0"/>
-          </a:p>
-          <a:p>
-            <a:endParaRPr lang="en-US" dirty="0"/>
-          </a:p>
-          <a:p>
-            <a:r>
-              <a:rPr lang="en-US" dirty="0" smtClean="0"/>
-              <a:t>Resembles objects already in the database</a:t>
-            </a:r>
-          </a:p>
-          <a:p>
-            <a:endParaRPr lang="en-US" dirty="0"/>
-          </a:p>
-          <a:p>
-            <a:endParaRPr lang="en-US" dirty="0" smtClean="0"/>
-          </a:p>
-          <a:p>
-            <a:r>
-              <a:rPr lang="en-US" dirty="0" smtClean="0"/>
-              <a:t>Can also be used to Update or Delete data</a:t>
-            </a:r>
-          </a:p>
-        </p:txBody>
-      </p:sp>
-    </p:spTree>
-    <p:extLst>
-      <p:ext uri="{BB962C8B-B14F-4D97-AF65-F5344CB8AC3E}">
-        <p14:creationId xmlns:p14="http://schemas.microsoft.com/office/powerpoint/2010/main" val="517474639"/>
-      </p:ext>
-    </p:extLst>
-  </p:cSld>
-  <p:clrMapOvr>
-    <a:masterClrMapping/>
-  </p:clrMapOvr>
-  <p:timing>
-    <p:tnLst>
-      <p:par>
-        <p:cTn xmlns:p14="http://schemas.microsoft.com/office/powerpoint/2010/main" id="1" dur="indefinite" restart="never" nodeType="tmRoot"/>
-      </p:par>
-    </p:tnLst>
-  </p:timing>
-</p:sld>
-</file>
-
-<file path=ppt/slides/slide16.xml><?xml version="1.0" encoding="utf-8"?>
 <p:sld xmlns:a="http://schemas.openxmlformats.org/drawingml/2006/main" xmlns:r="http://schemas.openxmlformats.org/officeDocument/2006/relationships" xmlns:p="http://schemas.openxmlformats.org/presentationml/2006/main">
   <p:cSld>
     <p:spTree>
@@ -4285,7 +4458,7 @@
         <p:spPr/>
         <p:txBody>
           <a:bodyPr>
-            <a:normAutofit fontScale="92500" lnSpcReduction="10000"/>
+            <a:normAutofit/>
           </a:bodyPr>
           <a:lstStyle/>
           <a:p>
@@ -4310,6 +4483,9 @@
             <a:endParaRPr lang="en-GB" dirty="0" smtClean="0"/>
           </a:p>
           <a:p>
+            <a:endParaRPr lang="en-GB" dirty="0" smtClean="0"/>
+          </a:p>
+          <a:p>
             <a:r>
               <a:rPr lang="en-GB" dirty="0" err="1" smtClean="0"/>
               <a:t>MongoDB</a:t>
@@ -4317,37 +4493,22 @@
             <a:endParaRPr lang="en-GB" dirty="0" smtClean="0"/>
           </a:p>
           <a:p>
+            <a:pPr marL="0" indent="0">
+              <a:buNone/>
+            </a:pPr>
+            <a:endParaRPr lang="en-GB" dirty="0"/>
+          </a:p>
+          <a:p>
+            <a:pPr marL="0" indent="0">
+              <a:buNone/>
+            </a:pPr>
             <a:endParaRPr lang="en-GB" dirty="0" smtClean="0"/>
           </a:p>
           <a:p>
             <a:r>
               <a:rPr lang="en-GB" dirty="0" smtClean="0"/>
-              <a:t>Using Mongo with </a:t>
-            </a:r>
-            <a:r>
-              <a:rPr lang="en-GB" dirty="0" smtClean="0"/>
-              <a:t>Node</a:t>
-            </a:r>
-          </a:p>
-          <a:p>
-            <a:endParaRPr lang="en-GB" dirty="0" smtClean="0"/>
-          </a:p>
-          <a:p>
-            <a:r>
-              <a:rPr lang="en-GB" dirty="0" smtClean="0"/>
-              <a:t>Models</a:t>
-            </a:r>
-          </a:p>
-          <a:p>
-            <a:endParaRPr lang="en-GB" dirty="0" smtClean="0"/>
-          </a:p>
-          <a:p>
-            <a:r>
-              <a:rPr lang="en-GB" dirty="0" smtClean="0"/>
-              <a:t>Querying &amp; Inserting Data</a:t>
-            </a:r>
-          </a:p>
-          <a:p>
+              <a:t>Implementing the Route Handlers</a:t>
+            </a:r>
             <a:endParaRPr lang="en-GB" dirty="0" smtClean="0"/>
           </a:p>
           <a:p>
@@ -4532,7 +4693,7 @@
         </p:nvSpPr>
         <p:spPr>
           <a:xfrm>
-            <a:off x="277584" y="2302159"/>
+            <a:off x="486760" y="2287218"/>
             <a:ext cx="5071358" cy="2659241"/>
           </a:xfrm>
           <a:prstGeom prst="rect">
@@ -5130,7 +5291,7 @@
         </p:nvSpPr>
         <p:spPr>
           <a:xfrm>
-            <a:off x="6096000" y="2281049"/>
+            <a:off x="6305176" y="2266108"/>
             <a:ext cx="6096000" cy="2692173"/>
           </a:xfrm>
           <a:prstGeom prst="rect">
@@ -5966,8 +6127,8 @@
         </p:nvSpPr>
         <p:spPr>
           <a:xfrm>
-            <a:off x="568619" y="836162"/>
-            <a:ext cx="5367575" cy="369332"/>
+            <a:off x="1973090" y="1344162"/>
+            <a:ext cx="8345854" cy="523220"/>
           </a:xfrm>
           <a:prstGeom prst="rect">
             <a:avLst/>
@@ -5980,10 +6141,10 @@
           <a:lstStyle/>
           <a:p>
             <a:r>
-              <a:rPr lang="en-US" dirty="0" smtClean="0"/>
+              <a:rPr lang="en-US" sz="2800" b="1" dirty="0" smtClean="0"/>
               <a:t>Here is what a Post and User document might look like </a:t>
             </a:r>
-            <a:endParaRPr lang="en-US" dirty="0"/>
+            <a:endParaRPr lang="en-US" sz="2800" b="1" dirty="0"/>
           </a:p>
         </p:txBody>
       </p:sp>
@@ -6284,6 +6445,10 @@
           </a:p>
           <a:p>
             <a:pPr lvl="1"/>
+            <a:endParaRPr lang="en-US" dirty="0" smtClean="0"/>
+          </a:p>
+          <a:p>
+            <a:pPr lvl="1"/>
             <a:endParaRPr lang="en-US" dirty="0"/>
           </a:p>
           <a:p>
@@ -6300,6 +6465,10 @@
               <a:rPr lang="en-US" dirty="0" smtClean="0"/>
               <a:t> CLI</a:t>
             </a:r>
+          </a:p>
+          <a:p>
+            <a:pPr lvl="1"/>
+            <a:endParaRPr lang="en-US" dirty="0" smtClean="0"/>
           </a:p>
           <a:p>
             <a:pPr lvl="1"/>

--- a/slides/module4.pptx
+++ b/slides/module4.pptx
@@ -6665,7 +6665,7 @@
             </a:r>
             <a:r>
               <a:rPr lang="en-US" dirty="0" smtClean="0"/>
-              <a:t> –save </a:t>
+              <a:t> --save </a:t>
             </a:r>
           </a:p>
           <a:p>
@@ -6691,7 +6691,11 @@
             </a:r>
             <a:r>
               <a:rPr lang="en-US" dirty="0" smtClean="0"/>
-              <a:t> install mongoose –save</a:t>
+              <a:t> </a:t>
+            </a:r>
+            <a:r>
+              <a:rPr lang="en-US" smtClean="0"/>
+              <a:t>install mongoose --save</a:t>
             </a:r>
             <a:endParaRPr lang="en-US" dirty="0"/>
           </a:p>
